--- a/Enhance_network_security_by_analyzing_Inribo_synthetic_network_data_sets/通過分析Incribo合成網路數據集增強網路安全.pptx
+++ b/Enhance_network_security_by_analyzing_Inribo_synthetic_network_data_sets/通過分析Incribo合成網路數據集增強網路安全.pptx
@@ -5,25 +5,28 @@
     <p:sldMasterId id="2147483648" r:id="rId1"/>
   </p:sldMasterIdLst>
   <p:notesMasterIdLst>
-    <p:notesMasterId r:id="rId18"/>
+    <p:notesMasterId r:id="rId21"/>
   </p:notesMasterIdLst>
   <p:sldIdLst>
     <p:sldId id="257" r:id="rId2"/>
-    <p:sldId id="258" r:id="rId3"/>
-    <p:sldId id="260" r:id="rId4"/>
-    <p:sldId id="259" r:id="rId5"/>
-    <p:sldId id="261" r:id="rId6"/>
-    <p:sldId id="262" r:id="rId7"/>
-    <p:sldId id="269" r:id="rId8"/>
-    <p:sldId id="292" r:id="rId9"/>
-    <p:sldId id="272" r:id="rId10"/>
-    <p:sldId id="263" r:id="rId11"/>
-    <p:sldId id="273" r:id="rId12"/>
-    <p:sldId id="268" r:id="rId13"/>
-    <p:sldId id="264" r:id="rId14"/>
-    <p:sldId id="265" r:id="rId15"/>
-    <p:sldId id="270" r:id="rId16"/>
-    <p:sldId id="291" r:id="rId17"/>
+    <p:sldId id="295" r:id="rId3"/>
+    <p:sldId id="297" r:id="rId4"/>
+    <p:sldId id="260" r:id="rId5"/>
+    <p:sldId id="259" r:id="rId6"/>
+    <p:sldId id="261" r:id="rId7"/>
+    <p:sldId id="298" r:id="rId8"/>
+    <p:sldId id="262" r:id="rId9"/>
+    <p:sldId id="269" r:id="rId10"/>
+    <p:sldId id="292" r:id="rId11"/>
+    <p:sldId id="272" r:id="rId12"/>
+    <p:sldId id="263" r:id="rId13"/>
+    <p:sldId id="273" r:id="rId14"/>
+    <p:sldId id="268" r:id="rId15"/>
+    <p:sldId id="264" r:id="rId16"/>
+    <p:sldId id="265" r:id="rId17"/>
+    <p:sldId id="270" r:id="rId18"/>
+    <p:sldId id="291" r:id="rId19"/>
+    <p:sldId id="294" r:id="rId20"/>
   </p:sldIdLst>
   <p:sldSz cx="12192000" cy="6858000"/>
   <p:notesSz cx="6858000" cy="9144000"/>
@@ -6772,7 +6775,7 @@
           <a:p>
             <a:fld id="{AF89C5F1-72CB-423B-974E-9E2CDCBE068C}" type="datetimeFigureOut">
               <a:rPr lang="zh-TW" altLang="en-US" smtClean="0"/>
-              <a:t>2024/6/20</a:t>
+              <a:t>2024/6/24</a:t>
             </a:fld>
             <a:endParaRPr lang="zh-TW" altLang="en-US"/>
           </a:p>
@@ -7104,7 +7107,7 @@
           <a:p>
             <a:fld id="{D45CD8A4-8F2D-4EF3-BAF0-DB264CE395B6}" type="slidenum">
               <a:rPr lang="zh-TW" altLang="en-US" smtClean="0"/>
-              <a:t>14</a:t>
+              <a:t>16</a:t>
             </a:fld>
             <a:endParaRPr lang="zh-TW" altLang="en-US"/>
           </a:p>
@@ -7212,7 +7215,7 @@
           <a:p>
             <a:fld id="{D45CD8A4-8F2D-4EF3-BAF0-DB264CE395B6}" type="slidenum">
               <a:rPr lang="zh-TW" altLang="en-US" smtClean="0"/>
-              <a:t>15</a:t>
+              <a:t>17</a:t>
             </a:fld>
             <a:endParaRPr lang="zh-TW" altLang="en-US"/>
           </a:p>
@@ -7320,7 +7323,7 @@
           <a:p>
             <a:fld id="{D45CD8A4-8F2D-4EF3-BAF0-DB264CE395B6}" type="slidenum">
               <a:rPr lang="zh-TW" altLang="en-US" smtClean="0"/>
-              <a:t>16</a:t>
+              <a:t>18</a:t>
             </a:fld>
             <a:endParaRPr lang="zh-TW" altLang="en-US"/>
           </a:p>
@@ -7330,6 +7333,114 @@
     <p:extLst>
       <p:ext uri="{BB962C8B-B14F-4D97-AF65-F5344CB8AC3E}">
         <p14:creationId xmlns:p14="http://schemas.microsoft.com/office/powerpoint/2010/main" val="2039275545"/>
+      </p:ext>
+    </p:extLst>
+  </p:cSld>
+  <p:clrMapOvr>
+    <a:masterClrMapping/>
+  </p:clrMapOvr>
+</p:notes>
+</file>
+
+<file path=ppt/notesSlides/notesSlide4.xml><?xml version="1.0" encoding="utf-8"?>
+<p:notes xmlns:a="http://schemas.openxmlformats.org/drawingml/2006/main" xmlns:r="http://schemas.openxmlformats.org/officeDocument/2006/relationships" xmlns:p="http://schemas.openxmlformats.org/presentationml/2006/main">
+  <p:cSld>
+    <p:spTree>
+      <p:nvGrpSpPr>
+        <p:cNvPr id="1" name="">
+          <a:extLst>
+            <a:ext uri="{FF2B5EF4-FFF2-40B4-BE49-F238E27FC236}">
+              <a16:creationId xmlns:a16="http://schemas.microsoft.com/office/drawing/2014/main" id="{82FF96BE-B10A-F126-FC6E-5E3A75C45147}"/>
+            </a:ext>
+          </a:extLst>
+        </p:cNvPr>
+        <p:cNvGrpSpPr/>
+        <p:nvPr/>
+      </p:nvGrpSpPr>
+      <p:grpSpPr>
+        <a:xfrm>
+          <a:off x="0" y="0"/>
+          <a:ext cx="0" cy="0"/>
+          <a:chOff x="0" y="0"/>
+          <a:chExt cx="0" cy="0"/>
+        </a:xfrm>
+      </p:grpSpPr>
+      <p:sp>
+        <p:nvSpPr>
+          <p:cNvPr id="2" name="投影片影像版面配置區 1">
+            <a:extLst>
+              <a:ext uri="{FF2B5EF4-FFF2-40B4-BE49-F238E27FC236}">
+                <a16:creationId xmlns:a16="http://schemas.microsoft.com/office/drawing/2014/main" id="{F1A39DB5-61FB-DF49-BFE8-60E44E08F1A3}"/>
+              </a:ext>
+            </a:extLst>
+          </p:cNvPr>
+          <p:cNvSpPr>
+            <a:spLocks noGrp="1" noRot="1" noChangeAspect="1"/>
+          </p:cNvSpPr>
+          <p:nvPr>
+            <p:ph type="sldImg"/>
+          </p:nvPr>
+        </p:nvSpPr>
+        <p:spPr/>
+      </p:sp>
+      <p:sp>
+        <p:nvSpPr>
+          <p:cNvPr id="3" name="備忘稿版面配置區 2">
+            <a:extLst>
+              <a:ext uri="{FF2B5EF4-FFF2-40B4-BE49-F238E27FC236}">
+                <a16:creationId xmlns:a16="http://schemas.microsoft.com/office/drawing/2014/main" id="{98E975B6-5BB8-4E63-7009-9EBE5005D380}"/>
+              </a:ext>
+            </a:extLst>
+          </p:cNvPr>
+          <p:cNvSpPr>
+            <a:spLocks noGrp="1"/>
+          </p:cNvSpPr>
+          <p:nvPr>
+            <p:ph type="body" idx="1"/>
+          </p:nvPr>
+        </p:nvSpPr>
+        <p:spPr/>
+        <p:txBody>
+          <a:bodyPr/>
+          <a:lstStyle/>
+          <a:p>
+            <a:endParaRPr lang="zh-TW" altLang="en-US" dirty="0"/>
+          </a:p>
+        </p:txBody>
+      </p:sp>
+      <p:sp>
+        <p:nvSpPr>
+          <p:cNvPr id="4" name="投影片編號版面配置區 3">
+            <a:extLst>
+              <a:ext uri="{FF2B5EF4-FFF2-40B4-BE49-F238E27FC236}">
+                <a16:creationId xmlns:a16="http://schemas.microsoft.com/office/drawing/2014/main" id="{BD056FED-4876-611E-50C5-6F52F02DE608}"/>
+              </a:ext>
+            </a:extLst>
+          </p:cNvPr>
+          <p:cNvSpPr>
+            <a:spLocks noGrp="1"/>
+          </p:cNvSpPr>
+          <p:nvPr>
+            <p:ph type="sldNum" sz="quarter" idx="5"/>
+          </p:nvPr>
+        </p:nvSpPr>
+        <p:spPr/>
+        <p:txBody>
+          <a:bodyPr/>
+          <a:lstStyle/>
+          <a:p>
+            <a:fld id="{D45CD8A4-8F2D-4EF3-BAF0-DB264CE395B6}" type="slidenum">
+              <a:rPr lang="zh-TW" altLang="en-US" smtClean="0"/>
+              <a:t>19</a:t>
+            </a:fld>
+            <a:endParaRPr lang="zh-TW" altLang="en-US"/>
+          </a:p>
+        </p:txBody>
+      </p:sp>
+    </p:spTree>
+    <p:extLst>
+      <p:ext uri="{BB962C8B-B14F-4D97-AF65-F5344CB8AC3E}">
+        <p14:creationId xmlns:p14="http://schemas.microsoft.com/office/powerpoint/2010/main" val="3520105138"/>
       </p:ext>
     </p:extLst>
   </p:cSld>
@@ -7486,7 +7597,7 @@
           <a:p>
             <a:fld id="{2FD587B4-786E-4B3E-8D14-E964CABDEFB8}" type="datetimeFigureOut">
               <a:rPr lang="zh-TW" altLang="en-US" smtClean="0"/>
-              <a:t>2024/6/20</a:t>
+              <a:t>2024/6/24</a:t>
             </a:fld>
             <a:endParaRPr lang="zh-TW" altLang="en-US"/>
           </a:p>
@@ -7684,7 +7795,7 @@
           <a:p>
             <a:fld id="{2FD587B4-786E-4B3E-8D14-E964CABDEFB8}" type="datetimeFigureOut">
               <a:rPr lang="zh-TW" altLang="en-US" smtClean="0"/>
-              <a:t>2024/6/20</a:t>
+              <a:t>2024/6/24</a:t>
             </a:fld>
             <a:endParaRPr lang="zh-TW" altLang="en-US"/>
           </a:p>
@@ -7892,7 +8003,7 @@
           <a:p>
             <a:fld id="{2FD587B4-786E-4B3E-8D14-E964CABDEFB8}" type="datetimeFigureOut">
               <a:rPr lang="zh-TW" altLang="en-US" smtClean="0"/>
-              <a:t>2024/6/20</a:t>
+              <a:t>2024/6/24</a:t>
             </a:fld>
             <a:endParaRPr lang="zh-TW" altLang="en-US"/>
           </a:p>
@@ -8090,7 +8201,7 @@
           <a:p>
             <a:fld id="{E6D58518-40FE-4391-8D67-8017A93E5007}" type="datetimeFigureOut">
               <a:rPr lang="zh-TW" altLang="en-US" smtClean="0"/>
-              <a:t>2024/6/20</a:t>
+              <a:t>2024/6/24</a:t>
             </a:fld>
             <a:endParaRPr lang="zh-TW" altLang="en-US"/>
           </a:p>
@@ -8288,7 +8399,7 @@
           <a:p>
             <a:fld id="{2FD587B4-786E-4B3E-8D14-E964CABDEFB8}" type="datetimeFigureOut">
               <a:rPr lang="zh-TW" altLang="en-US" smtClean="0"/>
-              <a:t>2024/6/20</a:t>
+              <a:t>2024/6/24</a:t>
             </a:fld>
             <a:endParaRPr lang="zh-TW" altLang="en-US"/>
           </a:p>
@@ -8563,7 +8674,7 @@
           <a:p>
             <a:fld id="{2FD587B4-786E-4B3E-8D14-E964CABDEFB8}" type="datetimeFigureOut">
               <a:rPr lang="zh-TW" altLang="en-US" smtClean="0"/>
-              <a:t>2024/6/20</a:t>
+              <a:t>2024/6/24</a:t>
             </a:fld>
             <a:endParaRPr lang="zh-TW" altLang="en-US"/>
           </a:p>
@@ -8828,7 +8939,7 @@
           <a:p>
             <a:fld id="{2FD587B4-786E-4B3E-8D14-E964CABDEFB8}" type="datetimeFigureOut">
               <a:rPr lang="zh-TW" altLang="en-US" smtClean="0"/>
-              <a:t>2024/6/20</a:t>
+              <a:t>2024/6/24</a:t>
             </a:fld>
             <a:endParaRPr lang="zh-TW" altLang="en-US"/>
           </a:p>
@@ -9240,7 +9351,7 @@
           <a:p>
             <a:fld id="{2FD587B4-786E-4B3E-8D14-E964CABDEFB8}" type="datetimeFigureOut">
               <a:rPr lang="zh-TW" altLang="en-US" smtClean="0"/>
-              <a:t>2024/6/20</a:t>
+              <a:t>2024/6/24</a:t>
             </a:fld>
             <a:endParaRPr lang="zh-TW" altLang="en-US"/>
           </a:p>
@@ -9381,7 +9492,7 @@
           <a:p>
             <a:fld id="{2FD587B4-786E-4B3E-8D14-E964CABDEFB8}" type="datetimeFigureOut">
               <a:rPr lang="zh-TW" altLang="en-US" smtClean="0"/>
-              <a:t>2024/6/20</a:t>
+              <a:t>2024/6/24</a:t>
             </a:fld>
             <a:endParaRPr lang="zh-TW" altLang="en-US"/>
           </a:p>
@@ -9494,7 +9605,7 @@
           <a:p>
             <a:fld id="{2FD587B4-786E-4B3E-8D14-E964CABDEFB8}" type="datetimeFigureOut">
               <a:rPr lang="zh-TW" altLang="en-US" smtClean="0"/>
-              <a:t>2024/6/20</a:t>
+              <a:t>2024/6/24</a:t>
             </a:fld>
             <a:endParaRPr lang="zh-TW" altLang="en-US"/>
           </a:p>
@@ -9805,7 +9916,7 @@
           <a:p>
             <a:fld id="{2FD587B4-786E-4B3E-8D14-E964CABDEFB8}" type="datetimeFigureOut">
               <a:rPr lang="zh-TW" altLang="en-US" smtClean="0"/>
-              <a:t>2024/6/20</a:t>
+              <a:t>2024/6/24</a:t>
             </a:fld>
             <a:endParaRPr lang="zh-TW" altLang="en-US"/>
           </a:p>
@@ -10093,7 +10204,7 @@
           <a:p>
             <a:fld id="{2FD587B4-786E-4B3E-8D14-E964CABDEFB8}" type="datetimeFigureOut">
               <a:rPr lang="zh-TW" altLang="en-US" smtClean="0"/>
-              <a:t>2024/6/20</a:t>
+              <a:t>2024/6/24</a:t>
             </a:fld>
             <a:endParaRPr lang="zh-TW" altLang="en-US"/>
           </a:p>
@@ -10334,7 +10445,7 @@
           <a:p>
             <a:fld id="{2FD587B4-786E-4B3E-8D14-E964CABDEFB8}" type="datetimeFigureOut">
               <a:rPr lang="zh-TW" altLang="en-US" smtClean="0"/>
-              <a:t>2024/6/20</a:t>
+              <a:t>2024/6/24</a:t>
             </a:fld>
             <a:endParaRPr lang="zh-TW" altLang="en-US"/>
           </a:p>
@@ -10872,6 +10983,109 @@
           </a:p>
         </p:txBody>
       </p:sp>
+      <p:sp>
+        <p:nvSpPr>
+          <p:cNvPr id="3" name="標題 1">
+            <a:extLst>
+              <a:ext uri="{FF2B5EF4-FFF2-40B4-BE49-F238E27FC236}">
+                <a16:creationId xmlns:a16="http://schemas.microsoft.com/office/drawing/2014/main" id="{4A657732-3DF5-33C3-5C14-C3181EB6E798}"/>
+              </a:ext>
+            </a:extLst>
+          </p:cNvPr>
+          <p:cNvSpPr txBox="1">
+            <a:spLocks/>
+          </p:cNvSpPr>
+          <p:nvPr/>
+        </p:nvSpPr>
+        <p:spPr>
+          <a:xfrm>
+            <a:off x="5482801" y="4892842"/>
+            <a:ext cx="4066552" cy="1324693"/>
+          </a:xfrm>
+          <a:prstGeom prst="rect">
+            <a:avLst/>
+          </a:prstGeom>
+        </p:spPr>
+        <p:txBody>
+          <a:bodyPr vert="horz" lIns="91440" tIns="45720" rIns="91440" bIns="45720" rtlCol="0" anchor="ctr">
+            <a:noAutofit/>
+          </a:bodyPr>
+          <a:lstStyle>
+            <a:lvl1pPr algn="l" defTabSz="914400" rtl="0" eaLnBrk="1" latinLnBrk="0" hangingPunct="1">
+              <a:lnSpc>
+                <a:spcPct val="90000"/>
+              </a:lnSpc>
+              <a:spcBef>
+                <a:spcPct val="0"/>
+              </a:spcBef>
+              <a:buNone/>
+              <a:defRPr sz="4400" kern="1200">
+                <a:solidFill>
+                  <a:schemeClr val="tx1"/>
+                </a:solidFill>
+                <a:latin typeface="+mj-lt"/>
+                <a:ea typeface="+mj-ea"/>
+                <a:cs typeface="+mj-cs"/>
+              </a:defRPr>
+            </a:lvl1pPr>
+          </a:lstStyle>
+          <a:p>
+            <a:pPr algn="ctr"/>
+            <a:r>
+              <a:rPr lang="en-US" altLang="zh-TW" sz="5400" b="1" kern="100" dirty="0">
+                <a:solidFill>
+                  <a:schemeClr val="accent6"/>
+                </a:solidFill>
+                <a:latin typeface="標楷體" panose="03000509000000000000" pitchFamily="65" charset="-120"/>
+                <a:ea typeface="標楷體" panose="03000509000000000000" pitchFamily="65" charset="-120"/>
+                <a:cs typeface="Times New Roman" panose="02020603050405020304" pitchFamily="18" charset="0"/>
+              </a:rPr>
+              <a:t>30</a:t>
+            </a:r>
+            <a:r>
+              <a:rPr lang="zh-TW" altLang="en-US" sz="5400" b="1" kern="100" dirty="0">
+                <a:solidFill>
+                  <a:schemeClr val="accent6"/>
+                </a:solidFill>
+                <a:latin typeface="標楷體" panose="03000509000000000000" pitchFamily="65" charset="-120"/>
+                <a:ea typeface="標楷體" panose="03000509000000000000" pitchFamily="65" charset="-120"/>
+                <a:cs typeface="Times New Roman" panose="02020603050405020304" pitchFamily="18" charset="0"/>
+              </a:rPr>
+              <a:t> </a:t>
+            </a:r>
+            <a:r>
+              <a:rPr lang="en-US" altLang="zh-TW" sz="5400" b="1" kern="100" dirty="0">
+                <a:solidFill>
+                  <a:schemeClr val="accent6"/>
+                </a:solidFill>
+                <a:latin typeface="標楷體" panose="03000509000000000000" pitchFamily="65" charset="-120"/>
+                <a:ea typeface="標楷體" panose="03000509000000000000" pitchFamily="65" charset="-120"/>
+                <a:cs typeface="Times New Roman" panose="02020603050405020304" pitchFamily="18" charset="0"/>
+              </a:rPr>
+              <a:t>/</a:t>
+            </a:r>
+            <a:r>
+              <a:rPr lang="zh-TW" altLang="en-US" sz="5400" b="1" kern="100" dirty="0">
+                <a:solidFill>
+                  <a:schemeClr val="accent6"/>
+                </a:solidFill>
+                <a:latin typeface="標楷體" panose="03000509000000000000" pitchFamily="65" charset="-120"/>
+                <a:ea typeface="標楷體" panose="03000509000000000000" pitchFamily="65" charset="-120"/>
+                <a:cs typeface="Times New Roman" panose="02020603050405020304" pitchFamily="18" charset="0"/>
+              </a:rPr>
+              <a:t> 何祐昇</a:t>
+            </a:r>
+            <a:endParaRPr lang="en-US" altLang="zh-TW" sz="5400" b="1" kern="100" dirty="0">
+              <a:solidFill>
+                <a:schemeClr val="accent6"/>
+              </a:solidFill>
+              <a:latin typeface="標楷體" panose="03000509000000000000" pitchFamily="65" charset="-120"/>
+              <a:ea typeface="標楷體" panose="03000509000000000000" pitchFamily="65" charset="-120"/>
+              <a:cs typeface="Times New Roman" panose="02020603050405020304" pitchFamily="18" charset="0"/>
+            </a:endParaRPr>
+          </a:p>
+        </p:txBody>
+      </p:sp>
     </p:spTree>
     <p:extLst>
       <p:ext uri="{BB962C8B-B14F-4D97-AF65-F5344CB8AC3E}">
@@ -10886,6 +11100,240 @@
 </file>
 
 <file path=ppt/slides/slide10.xml><?xml version="1.0" encoding="utf-8"?>
+<p:sld xmlns:a="http://schemas.openxmlformats.org/drawingml/2006/main" xmlns:r="http://schemas.openxmlformats.org/officeDocument/2006/relationships" xmlns:p="http://schemas.openxmlformats.org/presentationml/2006/main">
+  <p:cSld>
+    <p:spTree>
+      <p:nvGrpSpPr>
+        <p:cNvPr id="1" name="">
+          <a:extLst>
+            <a:ext uri="{FF2B5EF4-FFF2-40B4-BE49-F238E27FC236}">
+              <a16:creationId xmlns:a16="http://schemas.microsoft.com/office/drawing/2014/main" id="{B89A3AB8-B1B4-F75C-046F-8D1E1CBA0F16}"/>
+            </a:ext>
+          </a:extLst>
+        </p:cNvPr>
+        <p:cNvGrpSpPr/>
+        <p:nvPr/>
+      </p:nvGrpSpPr>
+      <p:grpSpPr>
+        <a:xfrm>
+          <a:off x="0" y="0"/>
+          <a:ext cx="0" cy="0"/>
+          <a:chOff x="0" y="0"/>
+          <a:chExt cx="0" cy="0"/>
+        </a:xfrm>
+      </p:grpSpPr>
+      <p:pic>
+        <p:nvPicPr>
+          <p:cNvPr id="7" name="圖片 6">
+            <a:extLst>
+              <a:ext uri="{FF2B5EF4-FFF2-40B4-BE49-F238E27FC236}">
+                <a16:creationId xmlns:a16="http://schemas.microsoft.com/office/drawing/2014/main" id="{55BBB01E-1EA1-27F9-E4AC-7F446B3CA5FB}"/>
+              </a:ext>
+            </a:extLst>
+          </p:cNvPr>
+          <p:cNvPicPr>
+            <a:picLocks noChangeAspect="1"/>
+          </p:cNvPicPr>
+          <p:nvPr/>
+        </p:nvPicPr>
+        <p:blipFill>
+          <a:blip r:embed="rId2"/>
+          <a:stretch>
+            <a:fillRect/>
+          </a:stretch>
+        </p:blipFill>
+        <p:spPr>
+          <a:xfrm>
+            <a:off x="-1115" y="0"/>
+            <a:ext cx="12193115" cy="6384758"/>
+          </a:xfrm>
+          <a:prstGeom prst="rect">
+            <a:avLst/>
+          </a:prstGeom>
+        </p:spPr>
+      </p:pic>
+      <p:sp>
+        <p:nvSpPr>
+          <p:cNvPr id="3" name="文字版面配置區 2">
+            <a:extLst>
+              <a:ext uri="{FF2B5EF4-FFF2-40B4-BE49-F238E27FC236}">
+                <a16:creationId xmlns:a16="http://schemas.microsoft.com/office/drawing/2014/main" id="{893995CD-A093-0D82-1DF9-BFA36B7AFF51}"/>
+              </a:ext>
+            </a:extLst>
+          </p:cNvPr>
+          <p:cNvSpPr>
+            <a:spLocks noGrp="1"/>
+          </p:cNvSpPr>
+          <p:nvPr>
+            <p:ph type="body" idx="1"/>
+          </p:nvPr>
+        </p:nvSpPr>
+        <p:spPr>
+          <a:xfrm>
+            <a:off x="9464842" y="2395655"/>
+            <a:ext cx="2727158" cy="3507840"/>
+          </a:xfrm>
+        </p:spPr>
+        <p:txBody>
+          <a:bodyPr vert="horz" lIns="91440" tIns="45720" rIns="91440" bIns="45720" rtlCol="0" anchor="ctr">
+            <a:normAutofit/>
+          </a:bodyPr>
+          <a:lstStyle/>
+          <a:p>
+            <a:r>
+              <a:rPr lang="zh-TW" altLang="en-US" sz="2200" dirty="0">
+                <a:solidFill>
+                  <a:srgbClr val="3C4043"/>
+                </a:solidFill>
+                <a:latin typeface="標楷體" panose="03000509000000000000" pitchFamily="65" charset="-120"/>
+                <a:ea typeface="標楷體" panose="03000509000000000000" pitchFamily="65" charset="-120"/>
+                <a:cs typeface="Times New Roman" panose="02020603050405020304" pitchFamily="18" charset="0"/>
+              </a:rPr>
+              <a:t>評估安全控制的有效性</a:t>
+            </a:r>
+            <a:endParaRPr lang="en-US" altLang="zh-TW" sz="2200" b="0" i="0" dirty="0">
+              <a:solidFill>
+                <a:srgbClr val="3C4043"/>
+              </a:solidFill>
+              <a:effectLst/>
+              <a:latin typeface="標楷體" panose="03000509000000000000" pitchFamily="65" charset="-120"/>
+              <a:ea typeface="標楷體" panose="03000509000000000000" pitchFamily="65" charset="-120"/>
+              <a:cs typeface="Times New Roman" panose="02020603050405020304" pitchFamily="18" charset="0"/>
+            </a:endParaRPr>
+          </a:p>
+        </p:txBody>
+      </p:sp>
+    </p:spTree>
+    <p:extLst>
+      <p:ext uri="{BB962C8B-B14F-4D97-AF65-F5344CB8AC3E}">
+        <p14:creationId xmlns:p14="http://schemas.microsoft.com/office/powerpoint/2010/main" val="1088668345"/>
+      </p:ext>
+    </p:extLst>
+  </p:cSld>
+  <p:clrMapOvr>
+    <a:masterClrMapping/>
+  </p:clrMapOvr>
+</p:sld>
+</file>
+
+<file path=ppt/slides/slide11.xml><?xml version="1.0" encoding="utf-8"?>
+<p:sld xmlns:a="http://schemas.openxmlformats.org/drawingml/2006/main" xmlns:r="http://schemas.openxmlformats.org/officeDocument/2006/relationships" xmlns:p="http://schemas.openxmlformats.org/presentationml/2006/main">
+  <p:cSld>
+    <p:spTree>
+      <p:nvGrpSpPr>
+        <p:cNvPr id="1" name="">
+          <a:extLst>
+            <a:ext uri="{FF2B5EF4-FFF2-40B4-BE49-F238E27FC236}">
+              <a16:creationId xmlns:a16="http://schemas.microsoft.com/office/drawing/2014/main" id="{B89A3AB8-B1B4-F75C-046F-8D1E1CBA0F16}"/>
+            </a:ext>
+          </a:extLst>
+        </p:cNvPr>
+        <p:cNvGrpSpPr/>
+        <p:nvPr/>
+      </p:nvGrpSpPr>
+      <p:grpSpPr>
+        <a:xfrm>
+          <a:off x="0" y="0"/>
+          <a:ext cx="0" cy="0"/>
+          <a:chOff x="0" y="0"/>
+          <a:chExt cx="0" cy="0"/>
+        </a:xfrm>
+      </p:grpSpPr>
+      <p:pic>
+        <p:nvPicPr>
+          <p:cNvPr id="4" name="圖片 3">
+            <a:extLst>
+              <a:ext uri="{FF2B5EF4-FFF2-40B4-BE49-F238E27FC236}">
+                <a16:creationId xmlns:a16="http://schemas.microsoft.com/office/drawing/2014/main" id="{CF60302C-8F0F-5082-EED7-EB73FA3F145E}"/>
+              </a:ext>
+            </a:extLst>
+          </p:cNvPr>
+          <p:cNvPicPr>
+            <a:picLocks noChangeAspect="1"/>
+          </p:cNvPicPr>
+          <p:nvPr/>
+        </p:nvPicPr>
+        <p:blipFill>
+          <a:blip r:embed="rId2"/>
+          <a:stretch>
+            <a:fillRect/>
+          </a:stretch>
+        </p:blipFill>
+        <p:spPr>
+          <a:xfrm>
+            <a:off x="92749" y="0"/>
+            <a:ext cx="12099250" cy="6182184"/>
+          </a:xfrm>
+          <a:prstGeom prst="rect">
+            <a:avLst/>
+          </a:prstGeom>
+        </p:spPr>
+      </p:pic>
+      <p:sp>
+        <p:nvSpPr>
+          <p:cNvPr id="3" name="文字版面配置區 2">
+            <a:extLst>
+              <a:ext uri="{FF2B5EF4-FFF2-40B4-BE49-F238E27FC236}">
+                <a16:creationId xmlns:a16="http://schemas.microsoft.com/office/drawing/2014/main" id="{893995CD-A093-0D82-1DF9-BFA36B7AFF51}"/>
+              </a:ext>
+            </a:extLst>
+          </p:cNvPr>
+          <p:cNvSpPr>
+            <a:spLocks noGrp="1"/>
+          </p:cNvSpPr>
+          <p:nvPr>
+            <p:ph type="body" idx="1"/>
+          </p:nvPr>
+        </p:nvSpPr>
+        <p:spPr>
+          <a:xfrm>
+            <a:off x="9343505" y="2145710"/>
+            <a:ext cx="2848494" cy="3989083"/>
+          </a:xfrm>
+        </p:spPr>
+        <p:txBody>
+          <a:bodyPr vert="horz" lIns="91440" tIns="45720" rIns="91440" bIns="45720" rtlCol="0" anchor="ctr">
+            <a:normAutofit/>
+          </a:bodyPr>
+          <a:lstStyle/>
+          <a:p>
+            <a:r>
+              <a:rPr lang="zh-TW" altLang="en-US" dirty="0">
+                <a:solidFill>
+                  <a:srgbClr val="3C4043"/>
+                </a:solidFill>
+                <a:latin typeface="標楷體" panose="03000509000000000000" pitchFamily="65" charset="-120"/>
+                <a:ea typeface="標楷體" panose="03000509000000000000" pitchFamily="65" charset="-120"/>
+                <a:cs typeface="Times New Roman" panose="02020603050405020304" pitchFamily="18" charset="0"/>
+              </a:rPr>
+              <a:t>為監控未來變化和異常提供基線</a:t>
+            </a:r>
+            <a:endParaRPr lang="en-US" altLang="zh-TW" sz="2800" b="0" i="0" dirty="0">
+              <a:solidFill>
+                <a:srgbClr val="3C4043"/>
+              </a:solidFill>
+              <a:effectLst/>
+              <a:latin typeface="標楷體" panose="03000509000000000000" pitchFamily="65" charset="-120"/>
+              <a:ea typeface="標楷體" panose="03000509000000000000" pitchFamily="65" charset="-120"/>
+              <a:cs typeface="Times New Roman" panose="02020603050405020304" pitchFamily="18" charset="0"/>
+            </a:endParaRPr>
+          </a:p>
+        </p:txBody>
+      </p:sp>
+    </p:spTree>
+    <p:extLst>
+      <p:ext uri="{BB962C8B-B14F-4D97-AF65-F5344CB8AC3E}">
+        <p14:creationId xmlns:p14="http://schemas.microsoft.com/office/powerpoint/2010/main" val="640028506"/>
+      </p:ext>
+    </p:extLst>
+  </p:cSld>
+  <p:clrMapOvr>
+    <a:masterClrMapping/>
+  </p:clrMapOvr>
+</p:sld>
+</file>
+
+<file path=ppt/slides/slide12.xml><?xml version="1.0" encoding="utf-8"?>
 <p:sld xmlns:a="http://schemas.openxmlformats.org/drawingml/2006/main" xmlns:r="http://schemas.openxmlformats.org/officeDocument/2006/relationships" xmlns:p="http://schemas.openxmlformats.org/presentationml/2006/main">
   <p:cSld>
     <p:spTree>
@@ -10991,7 +11439,7 @@
 </p:sld>
 </file>
 
-<file path=ppt/slides/slide11.xml><?xml version="1.0" encoding="utf-8"?>
+<file path=ppt/slides/slide13.xml><?xml version="1.0" encoding="utf-8"?>
 <p:sld xmlns:a="http://schemas.openxmlformats.org/drawingml/2006/main" xmlns:r="http://schemas.openxmlformats.org/officeDocument/2006/relationships" xmlns:p="http://schemas.openxmlformats.org/presentationml/2006/main">
   <p:cSld>
     <p:spTree>
@@ -11097,7 +11545,7 @@
 </p:sld>
 </file>
 
-<file path=ppt/slides/slide12.xml><?xml version="1.0" encoding="utf-8"?>
+<file path=ppt/slides/slide14.xml><?xml version="1.0" encoding="utf-8"?>
 <p:sld xmlns:a="http://schemas.openxmlformats.org/drawingml/2006/main" xmlns:r="http://schemas.openxmlformats.org/officeDocument/2006/relationships" xmlns:p="http://schemas.openxmlformats.org/presentationml/2006/main">
   <p:cSld>
     <p:spTree>
@@ -11184,7 +11632,7 @@
                 <a:ea typeface="標楷體" panose="03000509000000000000" pitchFamily="65" charset="-120"/>
                 <a:cs typeface="Times New Roman" panose="02020603050405020304" pitchFamily="18" charset="0"/>
               </a:rPr>
-              <a:t>用於異常檢測和基於簽名的防護</a:t>
+              <a:t>異常檢測</a:t>
             </a:r>
             <a:endParaRPr lang="en-US" altLang="zh-TW" sz="2200" b="0" i="0" dirty="0">
               <a:effectLst/>
@@ -11208,7 +11656,7 @@
 </p:sld>
 </file>
 
-<file path=ppt/slides/slide13.xml><?xml version="1.0" encoding="utf-8"?>
+<file path=ppt/slides/slide15.xml><?xml version="1.0" encoding="utf-8"?>
 <p:sld xmlns:a="http://schemas.openxmlformats.org/drawingml/2006/main" xmlns:r="http://schemas.openxmlformats.org/officeDocument/2006/relationships" xmlns:p="http://schemas.openxmlformats.org/presentationml/2006/main">
   <p:cSld>
     <p:spTree>
@@ -11243,16 +11691,17 @@
         </p:nvSpPr>
         <p:spPr>
           <a:xfrm>
-            <a:off x="5342205" y="0"/>
-            <a:ext cx="1507589" cy="844063"/>
+            <a:off x="3931151" y="437314"/>
+            <a:ext cx="4329696" cy="665622"/>
           </a:xfrm>
         </p:spPr>
         <p:txBody>
           <a:bodyPr vert="horz" lIns="91440" tIns="45720" rIns="91440" bIns="45720" rtlCol="0" anchor="ctr">
-            <a:normAutofit/>
+            <a:normAutofit fontScale="90000"/>
           </a:bodyPr>
           <a:lstStyle/>
           <a:p>
+            <a:pPr algn="ctr"/>
             <a:r>
               <a:rPr lang="zh-TW" altLang="en-US" kern="1200" dirty="0">
                 <a:latin typeface="標楷體" panose="03000509000000000000" pitchFamily="65" charset="-120"/>
@@ -11297,9 +11746,9 @@
           </a:bodyPr>
           <a:lstStyle/>
           <a:p>
-            <a:pPr marL="514350"/>
-            <a:r>
-              <a:rPr lang="en-US" altLang="zh-TW" sz="3200" b="1" dirty="0">
+            <a:pPr marL="514350" algn="ctr"/>
+            <a:r>
+              <a:rPr lang="en-US" altLang="zh-TW" sz="4000" b="1" dirty="0">
                 <a:solidFill>
                   <a:schemeClr val="accent6"/>
                 </a:solidFill>
@@ -11310,7 +11759,7 @@
               <a:t>DDoS </a:t>
             </a:r>
             <a:r>
-              <a:rPr lang="zh-TW" altLang="en-US" sz="3200" b="1" dirty="0">
+              <a:rPr lang="zh-TW" altLang="en-US" sz="4000" b="1" dirty="0">
                 <a:solidFill>
                   <a:schemeClr val="accent6"/>
                 </a:solidFill>
@@ -11318,64 +11767,18 @@
                 <a:ea typeface="標楷體" panose="03000509000000000000" pitchFamily="65" charset="-120"/>
                 <a:cs typeface="Times New Roman" panose="02020603050405020304" pitchFamily="18" charset="0"/>
               </a:rPr>
-              <a:t>攻擊檢測</a:t>
-            </a:r>
-          </a:p>
-          <a:p>
-            <a:pPr marL="514350"/>
-            <a:r>
-              <a:rPr lang="zh-TW" altLang="en-US" sz="2200" b="1" dirty="0">
-                <a:latin typeface="標楷體" panose="03000509000000000000" pitchFamily="65" charset="-120"/>
-                <a:ea typeface="標楷體" panose="03000509000000000000" pitchFamily="65" charset="-120"/>
-                <a:cs typeface="Times New Roman" panose="02020603050405020304" pitchFamily="18" charset="0"/>
-              </a:rPr>
-              <a:t>啟動 </a:t>
-            </a:r>
-            <a:r>
-              <a:rPr lang="en-US" altLang="zh-TW" sz="2200" b="1" dirty="0">
-                <a:latin typeface="標楷體" panose="03000509000000000000" pitchFamily="65" charset="-120"/>
-                <a:ea typeface="標楷體" panose="03000509000000000000" pitchFamily="65" charset="-120"/>
-                <a:cs typeface="Times New Roman" panose="02020603050405020304" pitchFamily="18" charset="0"/>
-              </a:rPr>
-              <a:t>DDoS </a:t>
-            </a:r>
-            <a:r>
-              <a:rPr lang="zh-TW" altLang="en-US" sz="2200" b="1" dirty="0">
-                <a:latin typeface="標楷體" panose="03000509000000000000" pitchFamily="65" charset="-120"/>
-                <a:ea typeface="標楷體" panose="03000509000000000000" pitchFamily="65" charset="-120"/>
-                <a:cs typeface="Times New Roman" panose="02020603050405020304" pitchFamily="18" charset="0"/>
-              </a:rPr>
-              <a:t>緩解工具，向 </a:t>
-            </a:r>
-            <a:r>
-              <a:rPr lang="en-US" altLang="zh-TW" sz="2200" b="1" dirty="0">
-                <a:latin typeface="標楷體" panose="03000509000000000000" pitchFamily="65" charset="-120"/>
-                <a:ea typeface="標楷體" panose="03000509000000000000" pitchFamily="65" charset="-120"/>
-                <a:cs typeface="Times New Roman" panose="02020603050405020304" pitchFamily="18" charset="0"/>
-              </a:rPr>
-              <a:t>IT </a:t>
-            </a:r>
-            <a:r>
-              <a:rPr lang="zh-TW" altLang="en-US" sz="2200" b="1" dirty="0">
-                <a:latin typeface="標楷體" panose="03000509000000000000" pitchFamily="65" charset="-120"/>
-                <a:ea typeface="標楷體" panose="03000509000000000000" pitchFamily="65" charset="-120"/>
-                <a:cs typeface="Times New Roman" panose="02020603050405020304" pitchFamily="18" charset="0"/>
-              </a:rPr>
-              <a:t>安全團隊發出警報。</a:t>
-            </a:r>
-          </a:p>
-          <a:p>
-            <a:pPr marL="514350"/>
-            <a:endParaRPr lang="zh-TW" altLang="en-US" sz="2200" b="1" dirty="0">
+              <a:t>攻擊</a:t>
+            </a:r>
+            <a:endParaRPr lang="zh-TW" altLang="en-US" b="1" dirty="0">
               <a:latin typeface="標楷體" panose="03000509000000000000" pitchFamily="65" charset="-120"/>
               <a:ea typeface="標楷體" panose="03000509000000000000" pitchFamily="65" charset="-120"/>
               <a:cs typeface="Times New Roman" panose="02020603050405020304" pitchFamily="18" charset="0"/>
             </a:endParaRPr>
           </a:p>
           <a:p>
-            <a:pPr marL="514350"/>
-            <a:r>
-              <a:rPr lang="zh-TW" altLang="en-US" sz="3200" b="1" dirty="0">
+            <a:pPr marL="514350" algn="ctr"/>
+            <a:r>
+              <a:rPr lang="zh-TW" altLang="en-US" sz="4000" b="1" dirty="0">
                 <a:solidFill>
                   <a:schemeClr val="accent6"/>
                 </a:solidFill>
@@ -11383,48 +11786,18 @@
                 <a:ea typeface="標楷體" panose="03000509000000000000" pitchFamily="65" charset="-120"/>
                 <a:cs typeface="Times New Roman" panose="02020603050405020304" pitchFamily="18" charset="0"/>
               </a:rPr>
-              <a:t>憑證填充：</a:t>
-            </a:r>
-          </a:p>
-          <a:p>
-            <a:pPr marL="514350"/>
-            <a:r>
-              <a:rPr lang="zh-TW" altLang="en-US" sz="2200" b="1" dirty="0">
-                <a:latin typeface="標楷體" panose="03000509000000000000" pitchFamily="65" charset="-120"/>
-                <a:ea typeface="標楷體" panose="03000509000000000000" pitchFamily="65" charset="-120"/>
-                <a:cs typeface="Times New Roman" panose="02020603050405020304" pitchFamily="18" charset="0"/>
-              </a:rPr>
-              <a:t>實施多重身份驗證 （</a:t>
-            </a:r>
-            <a:r>
-              <a:rPr lang="en-US" altLang="zh-TW" sz="2200" b="1" dirty="0">
-                <a:latin typeface="標楷體" panose="03000509000000000000" pitchFamily="65" charset="-120"/>
-                <a:ea typeface="標楷體" panose="03000509000000000000" pitchFamily="65" charset="-120"/>
-                <a:cs typeface="Times New Roman" panose="02020603050405020304" pitchFamily="18" charset="0"/>
-              </a:rPr>
-              <a:t>MFA</a:t>
-            </a:r>
-            <a:r>
-              <a:rPr lang="zh-TW" altLang="en-US" sz="2200" b="1" dirty="0">
-                <a:latin typeface="標楷體" panose="03000509000000000000" pitchFamily="65" charset="-120"/>
-                <a:ea typeface="標楷體" panose="03000509000000000000" pitchFamily="65" charset="-120"/>
-                <a:cs typeface="Times New Roman" panose="02020603050405020304" pitchFamily="18" charset="0"/>
-              </a:rPr>
-              <a:t>），在多次嘗試失敗后鎖定帳戶。</a:t>
-            </a:r>
-          </a:p>
-          <a:p>
-            <a:pPr marL="514350"/>
-            <a:endParaRPr lang="zh-TW" altLang="en-US" sz="2200" b="1" dirty="0">
+              <a:t>憑證填充</a:t>
+            </a:r>
+            <a:endParaRPr lang="zh-TW" altLang="en-US" b="1" dirty="0">
               <a:latin typeface="標楷體" panose="03000509000000000000" pitchFamily="65" charset="-120"/>
               <a:ea typeface="標楷體" panose="03000509000000000000" pitchFamily="65" charset="-120"/>
               <a:cs typeface="Times New Roman" panose="02020603050405020304" pitchFamily="18" charset="0"/>
             </a:endParaRPr>
           </a:p>
           <a:p>
-            <a:pPr marL="514350"/>
-            <a:r>
-              <a:rPr lang="zh-TW" altLang="en-US" sz="3200" b="1" dirty="0">
+            <a:pPr marL="514350" algn="ctr"/>
+            <a:r>
+              <a:rPr lang="zh-TW" altLang="en-US" sz="4000" b="1" dirty="0">
                 <a:solidFill>
                   <a:schemeClr val="accent6"/>
                 </a:solidFill>
@@ -11432,18 +11805,7 @@
                 <a:ea typeface="標楷體" panose="03000509000000000000" pitchFamily="65" charset="-120"/>
                 <a:cs typeface="Times New Roman" panose="02020603050405020304" pitchFamily="18" charset="0"/>
               </a:rPr>
-              <a:t>內部威脅：</a:t>
-            </a:r>
-          </a:p>
-          <a:p>
-            <a:pPr marL="514350"/>
-            <a:r>
-              <a:rPr lang="zh-TW" altLang="en-US" sz="2200" b="1" dirty="0">
-                <a:latin typeface="標楷體" panose="03000509000000000000" pitchFamily="65" charset="-120"/>
-                <a:ea typeface="標楷體" panose="03000509000000000000" pitchFamily="65" charset="-120"/>
-                <a:cs typeface="Times New Roman" panose="02020603050405020304" pitchFamily="18" charset="0"/>
-              </a:rPr>
-              <a:t>進行徹底的調查，強制實施最低許可權訪問控制。</a:t>
+              <a:t>內部威脅</a:t>
             </a:r>
           </a:p>
         </p:txBody>
@@ -11461,7 +11823,7 @@
 </p:sld>
 </file>
 
-<file path=ppt/slides/slide14.xml><?xml version="1.0" encoding="utf-8"?>
+<file path=ppt/slides/slide16.xml><?xml version="1.0" encoding="utf-8"?>
 <p:sld xmlns:a="http://schemas.openxmlformats.org/drawingml/2006/main" xmlns:r="http://schemas.openxmlformats.org/officeDocument/2006/relationships" xmlns:p="http://schemas.openxmlformats.org/presentationml/2006/main">
   <p:cSld>
     <p:spTree>
@@ -11497,7 +11859,7 @@
         <p:spPr>
           <a:xfrm>
             <a:off x="5268686" y="0"/>
-            <a:ext cx="1491809" cy="675228"/>
+            <a:ext cx="1507671" cy="675228"/>
           </a:xfrm>
         </p:spPr>
         <p:txBody>
@@ -11506,6 +11868,7 @@
           </a:bodyPr>
           <a:lstStyle/>
           <a:p>
+            <a:pPr algn="ctr"/>
             <a:r>
               <a:rPr lang="zh-TW" altLang="en-US" kern="1200" dirty="0">
                 <a:latin typeface="標楷體" panose="03000509000000000000" pitchFamily="65" charset="-120"/>
@@ -11550,18 +11913,9 @@
           </a:bodyPr>
           <a:lstStyle/>
           <a:p>
-            <a:r>
-              <a:rPr lang="en-US" altLang="zh-TW" dirty="0">
-                <a:solidFill>
-                  <a:schemeClr val="accent6"/>
-                </a:solidFill>
-                <a:latin typeface="標楷體" panose="03000509000000000000" pitchFamily="65" charset="-120"/>
-                <a:ea typeface="標楷體" panose="03000509000000000000" pitchFamily="65" charset="-120"/>
-              </a:rPr>
-              <a:t>1. </a:t>
-            </a:r>
-            <a:r>
-              <a:rPr lang="zh-TW" altLang="zh-TW" dirty="0">
+            <a:pPr algn="ctr"/>
+            <a:r>
+              <a:rPr lang="zh-TW" altLang="zh-TW" sz="3600" dirty="0">
                 <a:solidFill>
                   <a:schemeClr val="accent6"/>
                 </a:solidFill>
@@ -11571,7 +11925,7 @@
               <a:t>建議</a:t>
             </a:r>
             <a:r>
-              <a:rPr lang="en-US" altLang="zh-TW" dirty="0">
+              <a:rPr lang="en-US" altLang="zh-TW" sz="3600" dirty="0">
                 <a:solidFill>
                   <a:schemeClr val="accent6"/>
                 </a:solidFill>
@@ -11580,7 +11934,7 @@
               </a:rPr>
               <a:t>:</a:t>
             </a:r>
-            <a:endParaRPr lang="zh-TW" altLang="zh-TW" dirty="0">
+            <a:endParaRPr lang="zh-TW" altLang="zh-TW" sz="3600" dirty="0">
               <a:solidFill>
                 <a:schemeClr val="accent6"/>
               </a:solidFill>
@@ -11589,170 +11943,60 @@
             </a:endParaRPr>
           </a:p>
           <a:p>
-            <a:pPr marL="0" indent="0">
+            <a:pPr marL="0" indent="0" algn="ctr">
               <a:buNone/>
             </a:pPr>
             <a:r>
-              <a:rPr lang="en-US" altLang="zh-TW" dirty="0">
+              <a:rPr lang="en-US" altLang="zh-TW" sz="3600" dirty="0">
                 <a:latin typeface="標楷體" panose="03000509000000000000" pitchFamily="65" charset="-120"/>
                 <a:ea typeface="標楷體" panose="03000509000000000000" pitchFamily="65" charset="-120"/>
               </a:rPr>
               <a:t>- </a:t>
             </a:r>
             <a:r>
-              <a:rPr lang="zh-TW" altLang="zh-TW" dirty="0">
+              <a:rPr lang="zh-TW" altLang="zh-TW" sz="3600" dirty="0">
                 <a:latin typeface="標楷體" panose="03000509000000000000" pitchFamily="65" charset="-120"/>
                 <a:ea typeface="標楷體" panose="03000509000000000000" pitchFamily="65" charset="-120"/>
               </a:rPr>
               <a:t>持續監控</a:t>
             </a:r>
-            <a:r>
-              <a:rPr lang="en-US" altLang="zh-TW" dirty="0">
-                <a:latin typeface="標楷體" panose="03000509000000000000" pitchFamily="65" charset="-120"/>
-                <a:ea typeface="標楷體" panose="03000509000000000000" pitchFamily="65" charset="-120"/>
-              </a:rPr>
-              <a:t>:</a:t>
-            </a:r>
-            <a:r>
-              <a:rPr lang="zh-TW" altLang="zh-TW" dirty="0">
-                <a:latin typeface="標楷體" panose="03000509000000000000" pitchFamily="65" charset="-120"/>
-                <a:ea typeface="標楷體" panose="03000509000000000000" pitchFamily="65" charset="-120"/>
-              </a:rPr>
-              <a:t>定期監控和更新可視化</a:t>
-            </a:r>
-            <a:r>
-              <a:rPr lang="en-US" altLang="zh-TW" dirty="0">
-                <a:latin typeface="標楷體" panose="03000509000000000000" pitchFamily="65" charset="-120"/>
-                <a:ea typeface="標楷體" panose="03000509000000000000" pitchFamily="65" charset="-120"/>
-              </a:rPr>
-              <a:t>,</a:t>
-            </a:r>
-            <a:r>
-              <a:rPr lang="zh-TW" altLang="zh-TW" dirty="0">
-                <a:latin typeface="標楷體" panose="03000509000000000000" pitchFamily="65" charset="-120"/>
-                <a:ea typeface="標楷體" panose="03000509000000000000" pitchFamily="65" charset="-120"/>
-              </a:rPr>
-              <a:t>捕捉網路行為和威脅格局的實時變化。</a:t>
-            </a:r>
-            <a:endParaRPr lang="en-US" altLang="zh-TW" dirty="0">
-              <a:latin typeface="標楷體" panose="03000509000000000000" pitchFamily="65" charset="-120"/>
-              <a:ea typeface="標楷體" panose="03000509000000000000" pitchFamily="65" charset="-120"/>
-            </a:endParaRPr>
-          </a:p>
-          <a:p>
-            <a:pPr marL="0" indent="0">
+          </a:p>
+          <a:p>
+            <a:pPr marL="0" indent="0" algn="ctr">
               <a:buNone/>
             </a:pPr>
-            <a:endParaRPr lang="zh-TW" altLang="zh-TW" dirty="0">
-              <a:latin typeface="標楷體" panose="03000509000000000000" pitchFamily="65" charset="-120"/>
-              <a:ea typeface="標楷體" panose="03000509000000000000" pitchFamily="65" charset="-120"/>
-            </a:endParaRPr>
-          </a:p>
-          <a:p>
-            <a:pPr marL="0" indent="0">
-              <a:buNone/>
-            </a:pPr>
-            <a:r>
-              <a:rPr lang="en-US" altLang="zh-TW" dirty="0">
+            <a:r>
+              <a:rPr lang="en-US" altLang="zh-TW" sz="3600" dirty="0">
                 <a:latin typeface="標楷體" panose="03000509000000000000" pitchFamily="65" charset="-120"/>
                 <a:ea typeface="標楷體" panose="03000509000000000000" pitchFamily="65" charset="-120"/>
               </a:rPr>
               <a:t>- </a:t>
             </a:r>
             <a:r>
-              <a:rPr lang="zh-TW" altLang="zh-TW" dirty="0">
+              <a:rPr lang="zh-TW" altLang="zh-TW" sz="3600" dirty="0">
                 <a:latin typeface="標楷體" panose="03000509000000000000" pitchFamily="65" charset="-120"/>
                 <a:ea typeface="標楷體" panose="03000509000000000000" pitchFamily="65" charset="-120"/>
               </a:rPr>
               <a:t>協作分析</a:t>
             </a:r>
-            <a:r>
-              <a:rPr lang="en-US" altLang="zh-TW" dirty="0">
-                <a:latin typeface="標楷體" panose="03000509000000000000" pitchFamily="65" charset="-120"/>
-                <a:ea typeface="標楷體" panose="03000509000000000000" pitchFamily="65" charset="-120"/>
-              </a:rPr>
-              <a:t>:</a:t>
-            </a:r>
-            <a:r>
-              <a:rPr lang="zh-TW" altLang="zh-TW" dirty="0">
-                <a:latin typeface="標楷體" panose="03000509000000000000" pitchFamily="65" charset="-120"/>
-                <a:ea typeface="標楷體" panose="03000509000000000000" pitchFamily="65" charset="-120"/>
-              </a:rPr>
-              <a:t>促進分析師和利益相關方之間的協作</a:t>
-            </a:r>
-            <a:r>
-              <a:rPr lang="en-US" altLang="zh-TW" dirty="0">
-                <a:latin typeface="標楷體" panose="03000509000000000000" pitchFamily="65" charset="-120"/>
-                <a:ea typeface="標楷體" panose="03000509000000000000" pitchFamily="65" charset="-120"/>
-              </a:rPr>
-              <a:t>,</a:t>
-            </a:r>
-            <a:r>
-              <a:rPr lang="zh-TW" altLang="zh-TW" dirty="0">
-                <a:latin typeface="標楷體" panose="03000509000000000000" pitchFamily="65" charset="-120"/>
-                <a:ea typeface="標楷體" panose="03000509000000000000" pitchFamily="65" charset="-120"/>
-              </a:rPr>
-              <a:t>解釋可視化洞見並實施有效的安全措施。</a:t>
-            </a:r>
-            <a:endParaRPr lang="en-US" altLang="zh-TW" dirty="0">
-              <a:latin typeface="標楷體" panose="03000509000000000000" pitchFamily="65" charset="-120"/>
-              <a:ea typeface="標楷體" panose="03000509000000000000" pitchFamily="65" charset="-120"/>
-            </a:endParaRPr>
-          </a:p>
-          <a:p>
-            <a:pPr marL="0" indent="0">
+          </a:p>
+          <a:p>
+            <a:pPr marL="0" indent="0" algn="ctr">
               <a:buNone/>
             </a:pPr>
-            <a:endParaRPr lang="zh-TW" altLang="zh-TW" dirty="0">
-              <a:latin typeface="標楷體" panose="03000509000000000000" pitchFamily="65" charset="-120"/>
-              <a:ea typeface="標楷體" panose="03000509000000000000" pitchFamily="65" charset="-120"/>
-            </a:endParaRPr>
-          </a:p>
-          <a:p>
-            <a:pPr marL="0" indent="0">
-              <a:buNone/>
-            </a:pPr>
-            <a:r>
-              <a:rPr lang="en-US" altLang="zh-TW" dirty="0">
+            <a:r>
+              <a:rPr lang="en-US" altLang="zh-TW" sz="3600" dirty="0">
                 <a:latin typeface="標楷體" panose="03000509000000000000" pitchFamily="65" charset="-120"/>
                 <a:ea typeface="標楷體" panose="03000509000000000000" pitchFamily="65" charset="-120"/>
               </a:rPr>
               <a:t>- </a:t>
             </a:r>
             <a:r>
-              <a:rPr lang="zh-TW" altLang="zh-TW" dirty="0">
+              <a:rPr lang="zh-TW" altLang="zh-TW" sz="3600" dirty="0">
                 <a:latin typeface="標楷體" panose="03000509000000000000" pitchFamily="65" charset="-120"/>
                 <a:ea typeface="標楷體" panose="03000509000000000000" pitchFamily="65" charset="-120"/>
               </a:rPr>
               <a:t>適應性策略</a:t>
-            </a:r>
-            <a:r>
-              <a:rPr lang="en-US" altLang="zh-TW" dirty="0">
-                <a:latin typeface="標楷體" panose="03000509000000000000" pitchFamily="65" charset="-120"/>
-                <a:ea typeface="標楷體" panose="03000509000000000000" pitchFamily="65" charset="-120"/>
-              </a:rPr>
-              <a:t>:</a:t>
-            </a:r>
-            <a:r>
-              <a:rPr lang="zh-TW" altLang="zh-TW" dirty="0">
-                <a:latin typeface="標楷體" panose="03000509000000000000" pitchFamily="65" charset="-120"/>
-                <a:ea typeface="標楷體" panose="03000509000000000000" pitchFamily="65" charset="-120"/>
-              </a:rPr>
-              <a:t>根據不斷演變的威脅趨勢和可視化洞見</a:t>
-            </a:r>
-            <a:r>
-              <a:rPr lang="en-US" altLang="zh-TW" dirty="0">
-                <a:latin typeface="標楷體" panose="03000509000000000000" pitchFamily="65" charset="-120"/>
-                <a:ea typeface="標楷體" panose="03000509000000000000" pitchFamily="65" charset="-120"/>
-              </a:rPr>
-              <a:t>,</a:t>
-            </a:r>
-            <a:r>
-              <a:rPr lang="zh-TW" altLang="zh-TW" dirty="0">
-                <a:latin typeface="標楷體" panose="03000509000000000000" pitchFamily="65" charset="-120"/>
-                <a:ea typeface="標楷體" panose="03000509000000000000" pitchFamily="65" charset="-120"/>
-              </a:rPr>
-              <a:t>制定適應性策略。</a:t>
             </a:r>
           </a:p>
         </p:txBody>
@@ -11770,7 +12014,7 @@
 </p:sld>
 </file>
 
-<file path=ppt/slides/slide15.xml><?xml version="1.0" encoding="utf-8"?>
+<file path=ppt/slides/slide17.xml><?xml version="1.0" encoding="utf-8"?>
 <p:sld xmlns:a="http://schemas.openxmlformats.org/drawingml/2006/main" xmlns:r="http://schemas.openxmlformats.org/officeDocument/2006/relationships" xmlns:p="http://schemas.openxmlformats.org/presentationml/2006/main">
   <p:cSld>
     <p:spTree>
@@ -11974,7 +12218,7 @@
 </p:sld>
 </file>
 
-<file path=ppt/slides/slide16.xml><?xml version="1.0" encoding="utf-8"?>
+<file path=ppt/slides/slide18.xml><?xml version="1.0" encoding="utf-8"?>
 <p:sld xmlns:a="http://schemas.openxmlformats.org/drawingml/2006/main" xmlns:r="http://schemas.openxmlformats.org/officeDocument/2006/relationships" xmlns:p="http://schemas.openxmlformats.org/presentationml/2006/main">
   <p:cSld>
     <p:spTree>
@@ -12020,13 +12264,23 @@
           </a:bodyPr>
           <a:lstStyle/>
           <a:p>
-            <a:r>
-              <a:rPr lang="zh-TW" altLang="en-US" sz="5400" b="1" dirty="0">
-                <a:latin typeface="Times New Roman" panose="02020603050405020304" pitchFamily="18" charset="0"/>
+            <a:pPr algn="ctr"/>
+            <a:r>
+              <a:rPr lang="zh-TW" altLang="en-US" sz="5400" b="1" kern="100" dirty="0">
+                <a:solidFill>
+                  <a:schemeClr val="accent6"/>
+                </a:solidFill>
+                <a:latin typeface="標楷體" panose="03000509000000000000" pitchFamily="65" charset="-120"/>
+                <a:ea typeface="標楷體" panose="03000509000000000000" pitchFamily="65" charset="-120"/>
                 <a:cs typeface="Times New Roman" panose="02020603050405020304" pitchFamily="18" charset="0"/>
               </a:rPr>
-              <a:t>數據源</a:t>
-            </a:r>
+              <a:t>課程心得</a:t>
+            </a:r>
+            <a:endParaRPr lang="en-US" altLang="zh-TW" sz="4400" kern="100" dirty="0">
+              <a:latin typeface="標楷體" panose="03000509000000000000" pitchFamily="65" charset="-120"/>
+              <a:ea typeface="標楷體" panose="03000509000000000000" pitchFamily="65" charset="-120"/>
+              <a:cs typeface="Times New Roman" panose="02020603050405020304" pitchFamily="18" charset="0"/>
+            </a:endParaRPr>
           </a:p>
         </p:txBody>
       </p:sp>
@@ -12053,6 +12307,172 @@
           </a:bodyPr>
           <a:lstStyle/>
           <a:p>
+            <a:endParaRPr lang="en-US" altLang="zh-TW" sz="2200" kern="100" dirty="0">
+              <a:effectLst/>
+              <a:latin typeface="標楷體" panose="03000509000000000000" pitchFamily="65" charset="-120"/>
+              <a:ea typeface="標楷體" panose="03000509000000000000" pitchFamily="65" charset="-120"/>
+              <a:cs typeface="Times New Roman" panose="02020603050405020304" pitchFamily="18" charset="0"/>
+            </a:endParaRPr>
+          </a:p>
+          <a:p>
+            <a:r>
+              <a:rPr lang="zh-TW" altLang="zh-TW" sz="2200" kern="100" dirty="0">
+                <a:effectLst/>
+                <a:latin typeface="標楷體" panose="03000509000000000000" pitchFamily="65" charset="-120"/>
+                <a:ea typeface="標楷體" panose="03000509000000000000" pitchFamily="65" charset="-120"/>
+                <a:cs typeface="Times New Roman" panose="02020603050405020304" pitchFamily="18" charset="0"/>
+              </a:rPr>
+              <a:t>人工智慧、資料分析和合成網路資料對現代網路安全至關重要。</a:t>
+            </a:r>
+          </a:p>
+          <a:p>
+            <a:endParaRPr lang="zh-TW" altLang="zh-TW" sz="2200" kern="100" dirty="0">
+              <a:effectLst/>
+              <a:latin typeface="標楷體" panose="03000509000000000000" pitchFamily="65" charset="-120"/>
+              <a:ea typeface="標楷體" panose="03000509000000000000" pitchFamily="65" charset="-120"/>
+              <a:cs typeface="Times New Roman" panose="02020603050405020304" pitchFamily="18" charset="0"/>
+            </a:endParaRPr>
+          </a:p>
+          <a:p>
+            <a:endParaRPr lang="en-US" altLang="zh-TW" sz="2200" kern="100" dirty="0">
+              <a:effectLst/>
+              <a:latin typeface="標楷體" panose="03000509000000000000" pitchFamily="65" charset="-120"/>
+              <a:ea typeface="標楷體" panose="03000509000000000000" pitchFamily="65" charset="-120"/>
+              <a:cs typeface="Times New Roman" panose="02020603050405020304" pitchFamily="18" charset="0"/>
+            </a:endParaRPr>
+          </a:p>
+          <a:p>
+            <a:r>
+              <a:rPr lang="zh-TW" altLang="zh-TW" sz="2200" kern="100" dirty="0">
+                <a:effectLst/>
+                <a:latin typeface="標楷體" panose="03000509000000000000" pitchFamily="65" charset="-120"/>
+                <a:ea typeface="標楷體" panose="03000509000000000000" pitchFamily="65" charset="-120"/>
+                <a:cs typeface="Times New Roman" panose="02020603050405020304" pitchFamily="18" charset="0"/>
+              </a:rPr>
+              <a:t>人工智慧驅動的威脅檢測、自動事件響應和主動漏洞評估至關重要。</a:t>
+            </a:r>
+          </a:p>
+          <a:p>
+            <a:endParaRPr lang="zh-TW" altLang="zh-TW" sz="2200" kern="100" dirty="0">
+              <a:effectLst/>
+              <a:latin typeface="標楷體" panose="03000509000000000000" pitchFamily="65" charset="-120"/>
+              <a:ea typeface="標楷體" panose="03000509000000000000" pitchFamily="65" charset="-120"/>
+              <a:cs typeface="Times New Roman" panose="02020603050405020304" pitchFamily="18" charset="0"/>
+            </a:endParaRPr>
+          </a:p>
+          <a:p>
+            <a:endParaRPr lang="en-US" altLang="zh-TW" sz="2200" kern="100" dirty="0">
+              <a:effectLst/>
+              <a:latin typeface="標楷體" panose="03000509000000000000" pitchFamily="65" charset="-120"/>
+              <a:ea typeface="標楷體" panose="03000509000000000000" pitchFamily="65" charset="-120"/>
+              <a:cs typeface="Times New Roman" panose="02020603050405020304" pitchFamily="18" charset="0"/>
+            </a:endParaRPr>
+          </a:p>
+          <a:p>
+            <a:r>
+              <a:rPr lang="zh-TW" altLang="zh-TW" sz="2200" kern="100" dirty="0">
+                <a:effectLst/>
+                <a:latin typeface="標楷體" panose="03000509000000000000" pitchFamily="65" charset="-120"/>
+                <a:ea typeface="標楷體" panose="03000509000000000000" pitchFamily="65" charset="-120"/>
+                <a:cs typeface="Times New Roman" panose="02020603050405020304" pitchFamily="18" charset="0"/>
+              </a:rPr>
+              <a:t>實踐經驗、真實案例研究和專家見解可增強學習效果。</a:t>
+            </a:r>
+          </a:p>
+        </p:txBody>
+      </p:sp>
+    </p:spTree>
+    <p:extLst>
+      <p:ext uri="{BB962C8B-B14F-4D97-AF65-F5344CB8AC3E}">
+        <p14:creationId xmlns:p14="http://schemas.microsoft.com/office/powerpoint/2010/main" val="2923603278"/>
+      </p:ext>
+    </p:extLst>
+  </p:cSld>
+  <p:clrMapOvr>
+    <a:masterClrMapping/>
+  </p:clrMapOvr>
+</p:sld>
+</file>
+
+<file path=ppt/slides/slide19.xml><?xml version="1.0" encoding="utf-8"?>
+<p:sld xmlns:a="http://schemas.openxmlformats.org/drawingml/2006/main" xmlns:r="http://schemas.openxmlformats.org/officeDocument/2006/relationships" xmlns:p="http://schemas.openxmlformats.org/presentationml/2006/main">
+  <p:cSld>
+    <p:spTree>
+      <p:nvGrpSpPr>
+        <p:cNvPr id="1" name="">
+          <a:extLst>
+            <a:ext uri="{FF2B5EF4-FFF2-40B4-BE49-F238E27FC236}">
+              <a16:creationId xmlns:a16="http://schemas.microsoft.com/office/drawing/2014/main" id="{9939BDB5-5A31-5FF4-1863-9D7827B2EABD}"/>
+            </a:ext>
+          </a:extLst>
+        </p:cNvPr>
+        <p:cNvGrpSpPr/>
+        <p:nvPr/>
+      </p:nvGrpSpPr>
+      <p:grpSpPr>
+        <a:xfrm>
+          <a:off x="0" y="0"/>
+          <a:ext cx="0" cy="0"/>
+          <a:chOff x="0" y="0"/>
+          <a:chExt cx="0" cy="0"/>
+        </a:xfrm>
+      </p:grpSpPr>
+      <p:sp>
+        <p:nvSpPr>
+          <p:cNvPr id="3" name="標題 2">
+            <a:extLst>
+              <a:ext uri="{FF2B5EF4-FFF2-40B4-BE49-F238E27FC236}">
+                <a16:creationId xmlns:a16="http://schemas.microsoft.com/office/drawing/2014/main" id="{DFFE422B-975F-BE51-CFC3-DAFFB73D32E0}"/>
+              </a:ext>
+            </a:extLst>
+          </p:cNvPr>
+          <p:cNvSpPr>
+            <a:spLocks noGrp="1"/>
+          </p:cNvSpPr>
+          <p:nvPr>
+            <p:ph type="title"/>
+          </p:nvPr>
+        </p:nvSpPr>
+        <p:spPr/>
+        <p:txBody>
+          <a:bodyPr>
+            <a:normAutofit/>
+          </a:bodyPr>
+          <a:lstStyle/>
+          <a:p>
+            <a:r>
+              <a:rPr lang="zh-TW" altLang="en-US" sz="5400" b="1" dirty="0">
+                <a:latin typeface="Times New Roman" panose="02020603050405020304" pitchFamily="18" charset="0"/>
+                <a:cs typeface="Times New Roman" panose="02020603050405020304" pitchFamily="18" charset="0"/>
+              </a:rPr>
+              <a:t>數據源</a:t>
+            </a:r>
+          </a:p>
+        </p:txBody>
+      </p:sp>
+      <p:sp>
+        <p:nvSpPr>
+          <p:cNvPr id="4" name="內容版面配置區 3">
+            <a:extLst>
+              <a:ext uri="{FF2B5EF4-FFF2-40B4-BE49-F238E27FC236}">
+                <a16:creationId xmlns:a16="http://schemas.microsoft.com/office/drawing/2014/main" id="{3FD5B4E7-35FA-8F81-BBDA-FE727559F7FD}"/>
+              </a:ext>
+            </a:extLst>
+          </p:cNvPr>
+          <p:cNvSpPr>
+            <a:spLocks noGrp="1"/>
+          </p:cNvSpPr>
+          <p:nvPr>
+            <p:ph idx="1"/>
+          </p:nvPr>
+        </p:nvSpPr>
+        <p:spPr/>
+        <p:txBody>
+          <a:bodyPr>
+            <a:normAutofit/>
+          </a:bodyPr>
+          <a:lstStyle/>
+          <a:p>
             <a:r>
               <a:rPr lang="en-US" altLang="zh-TW" sz="4800" kern="100" dirty="0">
                 <a:effectLst/>
@@ -12079,7 +12499,56 @@
                 <a:ea typeface="新細明體" panose="02020500000000000000" pitchFamily="18" charset="-120"/>
                 <a:cs typeface="Times New Roman" panose="02020603050405020304" pitchFamily="18" charset="0"/>
               </a:rPr>
-              <a:t>](https://github.com/incribo-inc)</a:t>
+              <a:t>](</a:t>
+            </a:r>
+            <a:r>
+              <a:rPr lang="en-US" altLang="zh-TW" sz="4800" kern="100" dirty="0">
+                <a:effectLst/>
+                <a:latin typeface="Times New Roman" panose="02020603050405020304" pitchFamily="18" charset="0"/>
+                <a:ea typeface="新細明體" panose="02020500000000000000" pitchFamily="18" charset="-120"/>
+                <a:cs typeface="Times New Roman" panose="02020603050405020304" pitchFamily="18" charset="0"/>
+                <a:hlinkClick r:id="rId3"/>
+              </a:rPr>
+              <a:t>https://github.com/incribo-inc</a:t>
+            </a:r>
+            <a:r>
+              <a:rPr lang="en-US" altLang="zh-TW" sz="4800" kern="100" dirty="0">
+                <a:effectLst/>
+                <a:latin typeface="Times New Roman" panose="02020603050405020304" pitchFamily="18" charset="0"/>
+                <a:ea typeface="新細明體" panose="02020500000000000000" pitchFamily="18" charset="-120"/>
+                <a:cs typeface="Times New Roman" panose="02020603050405020304" pitchFamily="18" charset="0"/>
+              </a:rPr>
+              <a:t>)</a:t>
+            </a:r>
+          </a:p>
+          <a:p>
+            <a:r>
+              <a:rPr lang="pt-BR" altLang="zh-TW" sz="4800" kern="100" dirty="0">
+                <a:effectLst/>
+                <a:latin typeface="Times New Roman" panose="02020603050405020304" pitchFamily="18" charset="0"/>
+                <a:ea typeface="新細明體" panose="02020500000000000000" pitchFamily="18" charset="-120"/>
+                <a:cs typeface="Times New Roman" panose="02020603050405020304" pitchFamily="18" charset="0"/>
+              </a:rPr>
+              <a:t>[</a:t>
+            </a:r>
+            <a:r>
+              <a:rPr lang="pt-BR" altLang="zh-TW" sz="4800" kern="100" dirty="0">
+                <a:effectLst/>
+                <a:latin typeface="Times New Roman" panose="02020603050405020304" pitchFamily="18" charset="0"/>
+                <a:ea typeface="新細明體" panose="02020500000000000000" pitchFamily="18" charset="-120"/>
+                <a:cs typeface="Times New Roman" panose="02020603050405020304" pitchFamily="18" charset="0"/>
+                <a:hlinkClick r:id="rId4"/>
+              </a:rPr>
+              <a:t>ROCCC</a:t>
+            </a:r>
+            <a:r>
+              <a:rPr lang="pt-BR" altLang="zh-TW" sz="4800" kern="100" dirty="0">
+                <a:effectLst/>
+                <a:latin typeface="Times New Roman" panose="02020603050405020304" pitchFamily="18" charset="0"/>
+                <a:ea typeface="新細明體" panose="02020500000000000000" pitchFamily="18" charset="-120"/>
+                <a:cs typeface="Times New Roman" panose="02020603050405020304" pitchFamily="18" charset="0"/>
+              </a:rPr>
+              <a:t>](https://csrc.nist.gov/glossary/term/grc)</a:t>
             </a:r>
             <a:endParaRPr lang="zh-TW" altLang="zh-TW" sz="4800" kern="100" dirty="0">
               <a:effectLst/>
@@ -12093,7 +12562,7 @@
     </p:spTree>
     <p:extLst>
       <p:ext uri="{BB962C8B-B14F-4D97-AF65-F5344CB8AC3E}">
-        <p14:creationId xmlns:p14="http://schemas.microsoft.com/office/powerpoint/2010/main" val="2923603278"/>
+        <p14:creationId xmlns:p14="http://schemas.microsoft.com/office/powerpoint/2010/main" val="3239602546"/>
       </p:ext>
     </p:extLst>
   </p:cSld>
@@ -12150,14 +12619,14 @@
           <a:p>
             <a:pPr algn="ctr"/>
             <a:r>
-              <a:rPr lang="zh-TW" altLang="en-US" sz="5400" dirty="0">
+              <a:rPr lang="zh-TW" altLang="en-US" sz="5400" b="1" kern="100" dirty="0">
                 <a:latin typeface="標楷體" panose="03000509000000000000" pitchFamily="65" charset="-120"/>
                 <a:ea typeface="標楷體" panose="03000509000000000000" pitchFamily="65" charset="-120"/>
                 <a:cs typeface="Times New Roman" panose="02020603050405020304" pitchFamily="18" charset="0"/>
               </a:rPr>
-              <a:t>場景</a:t>
-            </a:r>
-            <a:endParaRPr lang="en-US" altLang="zh-TW" sz="5400" kern="1200" dirty="0">
+              <a:t>自我介紹</a:t>
+            </a:r>
+            <a:endParaRPr lang="en-US" altLang="zh-TW" sz="5400" b="1" kern="100" dirty="0">
               <a:latin typeface="標楷體" panose="03000509000000000000" pitchFamily="65" charset="-120"/>
               <a:ea typeface="標楷體" panose="03000509000000000000" pitchFamily="65" charset="-120"/>
               <a:cs typeface="Times New Roman" panose="02020603050405020304" pitchFamily="18" charset="0"/>
@@ -12184,7 +12653,7 @@
         <p:spPr>
           <a:xfrm>
             <a:off x="4447308" y="0"/>
-            <a:ext cx="7744692" cy="6176963"/>
+            <a:ext cx="7744692" cy="3808429"/>
           </a:xfrm>
         </p:spPr>
         <p:txBody>
@@ -12195,7 +12664,7 @@
           <a:p>
             <a:pPr algn="ctr"/>
             <a:r>
-              <a:rPr lang="zh-TW" altLang="en-US" sz="3200" b="1" kern="100" dirty="0">
+              <a:rPr lang="zh-TW" altLang="en-US" sz="2400" b="1" kern="100" dirty="0">
                 <a:solidFill>
                   <a:schemeClr val="accent6"/>
                 </a:solidFill>
@@ -12203,9 +12672,31 @@
                 <a:ea typeface="標楷體" panose="03000509000000000000" pitchFamily="65" charset="-120"/>
                 <a:cs typeface="Times New Roman" panose="02020603050405020304" pitchFamily="18" charset="0"/>
               </a:rPr>
-              <a:t>關於公司</a:t>
-            </a:r>
-            <a:endParaRPr lang="en-US" altLang="zh-TW" sz="3200" b="1" kern="100" dirty="0">
+              <a:t>資訊安全分析師 </a:t>
+            </a:r>
+            <a:r>
+              <a:rPr lang="en-US" altLang="zh-TW" sz="2400" b="1" kern="100" dirty="0">
+                <a:solidFill>
+                  <a:schemeClr val="accent6"/>
+                </a:solidFill>
+                <a:latin typeface="標楷體" panose="03000509000000000000" pitchFamily="65" charset="-120"/>
+                <a:ea typeface="標楷體" panose="03000509000000000000" pitchFamily="65" charset="-120"/>
+                <a:cs typeface="Times New Roman" panose="02020603050405020304" pitchFamily="18" charset="0"/>
+              </a:rPr>
+              <a:t>| </a:t>
+            </a:r>
+            <a:r>
+              <a:rPr lang="zh-TW" altLang="en-US" sz="2400" b="1" kern="100" dirty="0">
+                <a:solidFill>
+                  <a:schemeClr val="accent6"/>
+                </a:solidFill>
+                <a:latin typeface="標楷體" panose="03000509000000000000" pitchFamily="65" charset="-120"/>
+                <a:ea typeface="標楷體" panose="03000509000000000000" pitchFamily="65" charset="-120"/>
+                <a:cs typeface="Times New Roman" panose="02020603050405020304" pitchFamily="18" charset="0"/>
+              </a:rPr>
+              <a:t>數據分析師</a:t>
+            </a:r>
+            <a:endParaRPr lang="en-US" altLang="zh-TW" sz="2400" b="1" kern="100" dirty="0">
               <a:solidFill>
                 <a:schemeClr val="accent6"/>
               </a:solidFill>
@@ -12215,72 +12706,84 @@
             </a:endParaRPr>
           </a:p>
           <a:p>
-            <a:pPr marL="0" indent="0" algn="ctr">
-              <a:buNone/>
-            </a:pPr>
-            <a:r>
-              <a:rPr lang="en-US" altLang="zh-TW" b="1" kern="100" dirty="0" err="1">
+            <a:pPr algn="ctr"/>
+            <a:r>
+              <a:rPr lang="zh-TW" altLang="en-US" sz="2400" kern="100" dirty="0">
                 <a:latin typeface="標楷體" panose="03000509000000000000" pitchFamily="65" charset="-120"/>
                 <a:ea typeface="標楷體" panose="03000509000000000000" pitchFamily="65" charset="-120"/>
                 <a:cs typeface="Times New Roman" panose="02020603050405020304" pitchFamily="18" charset="0"/>
               </a:rPr>
-              <a:t>Incribo</a:t>
-            </a:r>
-            <a:r>
-              <a:rPr lang="en-US" altLang="zh-TW" b="1" kern="100" dirty="0">
+              <a:t>具有數據分析能力。熟悉 </a:t>
+            </a:r>
+            <a:r>
+              <a:rPr lang="en-US" altLang="zh-TW" sz="2400" kern="100" dirty="0">
                 <a:latin typeface="標楷體" panose="03000509000000000000" pitchFamily="65" charset="-120"/>
                 <a:ea typeface="標楷體" panose="03000509000000000000" pitchFamily="65" charset="-120"/>
                 <a:cs typeface="Times New Roman" panose="02020603050405020304" pitchFamily="18" charset="0"/>
               </a:rPr>
-              <a:t> </a:t>
-            </a:r>
-            <a:r>
-              <a:rPr lang="zh-TW" altLang="en-US" b="1" kern="100" dirty="0">
+              <a:t>SQL</a:t>
+            </a:r>
+            <a:r>
+              <a:rPr lang="zh-TW" altLang="en-US" sz="2400" kern="100" dirty="0">
                 <a:latin typeface="標楷體" panose="03000509000000000000" pitchFamily="65" charset="-120"/>
                 <a:ea typeface="標楷體" panose="03000509000000000000" pitchFamily="65" charset="-120"/>
                 <a:cs typeface="Times New Roman" panose="02020603050405020304" pitchFamily="18" charset="0"/>
               </a:rPr>
-              <a:t>提供針對網路安全需求量身定製</a:t>
-            </a:r>
-            <a:endParaRPr lang="en-US" altLang="zh-TW" b="1" kern="100" dirty="0">
+              <a:t>、</a:t>
+            </a:r>
+            <a:r>
+              <a:rPr lang="en-US" altLang="zh-TW" sz="2400" kern="100" dirty="0">
+                <a:latin typeface="標楷體" panose="03000509000000000000" pitchFamily="65" charset="-120"/>
+                <a:ea typeface="標楷體" panose="03000509000000000000" pitchFamily="65" charset="-120"/>
+                <a:cs typeface="Times New Roman" panose="02020603050405020304" pitchFamily="18" charset="0"/>
+              </a:rPr>
+              <a:t>Python </a:t>
+            </a:r>
+            <a:r>
+              <a:rPr lang="zh-TW" altLang="en-US" sz="2400" kern="100" dirty="0">
+                <a:latin typeface="標楷體" panose="03000509000000000000" pitchFamily="65" charset="-120"/>
+                <a:ea typeface="標楷體" panose="03000509000000000000" pitchFamily="65" charset="-120"/>
+                <a:cs typeface="Times New Roman" panose="02020603050405020304" pitchFamily="18" charset="0"/>
+              </a:rPr>
+              <a:t>和 </a:t>
+            </a:r>
+            <a:r>
+              <a:rPr lang="en-US" altLang="zh-TW" sz="2400" kern="100" dirty="0">
+                <a:latin typeface="標楷體" panose="03000509000000000000" pitchFamily="65" charset="-120"/>
+                <a:ea typeface="標楷體" panose="03000509000000000000" pitchFamily="65" charset="-120"/>
+                <a:cs typeface="Times New Roman" panose="02020603050405020304" pitchFamily="18" charset="0"/>
+              </a:rPr>
+              <a:t>Tableau </a:t>
+            </a:r>
+            <a:r>
+              <a:rPr lang="zh-TW" altLang="en-US" sz="2400" kern="100" dirty="0">
+                <a:latin typeface="標楷體" panose="03000509000000000000" pitchFamily="65" charset="-120"/>
+                <a:ea typeface="標楷體" panose="03000509000000000000" pitchFamily="65" charset="-120"/>
+                <a:cs typeface="Times New Roman" panose="02020603050405020304" pitchFamily="18" charset="0"/>
+              </a:rPr>
+              <a:t>將資料轉換為簡單圖表。培養網路安全分析技能，以確保資料完整性並防範基本威脅，從而做出明智的決策。</a:t>
+            </a:r>
+            <a:endParaRPr lang="en-US" altLang="zh-TW" sz="2400" kern="100" dirty="0">
               <a:latin typeface="標楷體" panose="03000509000000000000" pitchFamily="65" charset="-120"/>
               <a:ea typeface="標楷體" panose="03000509000000000000" pitchFamily="65" charset="-120"/>
               <a:cs typeface="Times New Roman" panose="02020603050405020304" pitchFamily="18" charset="0"/>
             </a:endParaRPr>
           </a:p>
           <a:p>
-            <a:pPr marL="0" indent="0" algn="ctr">
-              <a:buNone/>
-            </a:pPr>
-            <a:r>
-              <a:rPr lang="zh-TW" altLang="en-US" b="1" kern="100" dirty="0">
-                <a:latin typeface="標楷體" panose="03000509000000000000" pitchFamily="65" charset="-120"/>
-                <a:ea typeface="標楷體" panose="03000509000000000000" pitchFamily="65" charset="-120"/>
-                <a:cs typeface="Times New Roman" panose="02020603050405020304" pitchFamily="18" charset="0"/>
-              </a:rPr>
-              <a:t>的尖端合成數據生成。</a:t>
-            </a:r>
-            <a:endParaRPr lang="en-US" altLang="zh-TW" b="1" kern="100" dirty="0">
+            <a:pPr algn="ctr"/>
+            <a:endParaRPr lang="en-US" altLang="zh-TW" sz="2400" b="1" kern="100" dirty="0">
+              <a:solidFill>
+                <a:schemeClr val="accent6"/>
+              </a:solidFill>
               <a:latin typeface="標楷體" panose="03000509000000000000" pitchFamily="65" charset="-120"/>
               <a:ea typeface="標楷體" panose="03000509000000000000" pitchFamily="65" charset="-120"/>
               <a:cs typeface="Times New Roman" panose="02020603050405020304" pitchFamily="18" charset="0"/>
             </a:endParaRPr>
           </a:p>
           <a:p>
-            <a:pPr marL="0" indent="0" algn="ctr">
-              <a:buNone/>
-            </a:pPr>
-            <a:r>
-              <a:rPr lang="zh-TW" altLang="en-US" b="1" kern="100" dirty="0">
-                <a:latin typeface="標楷體" panose="03000509000000000000" pitchFamily="65" charset="-120"/>
-                <a:ea typeface="標楷體" panose="03000509000000000000" pitchFamily="65" charset="-120"/>
-                <a:cs typeface="Times New Roman" panose="02020603050405020304" pitchFamily="18" charset="0"/>
-              </a:rPr>
-              <a:t>
-</a:t>
-            </a:r>
-            <a:r>
-              <a:rPr lang="zh-TW" altLang="en-US" sz="3200" b="1" kern="100" dirty="0">
+            <a:pPr algn="ctr"/>
+            <a:r>
+              <a:rPr lang="zh-TW" altLang="en-US" sz="2400" b="1" kern="100" dirty="0">
                 <a:solidFill>
                   <a:schemeClr val="accent6"/>
                 </a:solidFill>
@@ -12288,25 +12791,18 @@
                 <a:ea typeface="標楷體" panose="03000509000000000000" pitchFamily="65" charset="-120"/>
                 <a:cs typeface="Times New Roman" panose="02020603050405020304" pitchFamily="18" charset="0"/>
               </a:rPr>
-              <a:t> 問題陳述</a:t>
-            </a:r>
-            <a:r>
-              <a:rPr lang="zh-TW" altLang="en-US" b="1" kern="100" dirty="0">
-                <a:latin typeface="標楷體" panose="03000509000000000000" pitchFamily="65" charset="-120"/>
-                <a:ea typeface="標楷體" panose="03000509000000000000" pitchFamily="65" charset="-120"/>
-                <a:cs typeface="Times New Roman" panose="02020603050405020304" pitchFamily="18" charset="0"/>
-              </a:rPr>
-              <a:t>
-</a:t>
-            </a:r>
-            <a:r>
-              <a:rPr lang="zh-TW" altLang="en-US" sz="2200" b="1" kern="100" dirty="0">
-                <a:latin typeface="標楷體" panose="03000509000000000000" pitchFamily="65" charset="-120"/>
-                <a:ea typeface="標楷體" panose="03000509000000000000" pitchFamily="65" charset="-120"/>
-                <a:cs typeface="Times New Roman" panose="02020603050405020304" pitchFamily="18" charset="0"/>
-              </a:rPr>
-              <a:t>滿足對精確和可操作的見解的需求，以增強網路安全態勢。</a:t>
-            </a:r>
+              <a:t>技能</a:t>
+            </a:r>
+            <a:endParaRPr lang="en-US" altLang="zh-TW" sz="2400" b="1" kern="100" dirty="0">
+              <a:solidFill>
+                <a:schemeClr val="accent6"/>
+              </a:solidFill>
+              <a:latin typeface="標楷體" panose="03000509000000000000" pitchFamily="65" charset="-120"/>
+              <a:ea typeface="標楷體" panose="03000509000000000000" pitchFamily="65" charset="-120"/>
+              <a:cs typeface="Times New Roman" panose="02020603050405020304" pitchFamily="18" charset="0"/>
+            </a:endParaRPr>
+          </a:p>
+          <a:p>
             <a:endParaRPr lang="en-US" altLang="zh-TW" sz="2200" kern="100" dirty="0">
               <a:latin typeface="標楷體" panose="03000509000000000000" pitchFamily="65" charset="-120"/>
               <a:ea typeface="標楷體" panose="03000509000000000000" pitchFamily="65" charset="-120"/>
@@ -12315,10 +12811,283 @@
           </a:p>
         </p:txBody>
       </p:sp>
+      <p:sp>
+        <p:nvSpPr>
+          <p:cNvPr id="5" name="文字方塊 4">
+            <a:extLst>
+              <a:ext uri="{FF2B5EF4-FFF2-40B4-BE49-F238E27FC236}">
+                <a16:creationId xmlns:a16="http://schemas.microsoft.com/office/drawing/2014/main" id="{0E2098E6-0F6D-EDCC-9F2E-9D82E5B8D315}"/>
+              </a:ext>
+            </a:extLst>
+          </p:cNvPr>
+          <p:cNvSpPr txBox="1"/>
+          <p:nvPr/>
+        </p:nvSpPr>
+        <p:spPr>
+          <a:xfrm>
+            <a:off x="8957492" y="2922451"/>
+            <a:ext cx="2785620" cy="2571986"/>
+          </a:xfrm>
+          <a:prstGeom prst="rect">
+            <a:avLst/>
+          </a:prstGeom>
+          <a:noFill/>
+        </p:spPr>
+        <p:txBody>
+          <a:bodyPr wrap="square">
+            <a:spAutoFit/>
+          </a:bodyPr>
+          <a:lstStyle/>
+          <a:p>
+            <a:pPr marL="342900" indent="-342900">
+              <a:lnSpc>
+                <a:spcPct val="150000"/>
+              </a:lnSpc>
+              <a:buFont typeface="Arial" panose="020B0604020202020204" pitchFamily="34" charset="0"/>
+              <a:buChar char="•"/>
+            </a:pPr>
+            <a:r>
+              <a:rPr lang="en-US" altLang="zh-TW" sz="2200" kern="100" dirty="0">
+                <a:latin typeface="Times New Roman" panose="02020603050405020304" pitchFamily="18" charset="0"/>
+                <a:ea typeface="標楷體" panose="03000509000000000000" pitchFamily="65" charset="-120"/>
+                <a:cs typeface="Times New Roman" panose="02020603050405020304" pitchFamily="18" charset="0"/>
+              </a:rPr>
+              <a:t>Splunk </a:t>
+            </a:r>
+          </a:p>
+          <a:p>
+            <a:pPr marL="342900" indent="-342900">
+              <a:lnSpc>
+                <a:spcPct val="150000"/>
+              </a:lnSpc>
+              <a:buFont typeface="Arial" panose="020B0604020202020204" pitchFamily="34" charset="0"/>
+              <a:buChar char="•"/>
+            </a:pPr>
+            <a:r>
+              <a:rPr lang="en-US" altLang="zh-TW" sz="2200" kern="100" dirty="0">
+                <a:latin typeface="Times New Roman" panose="02020603050405020304" pitchFamily="18" charset="0"/>
+                <a:ea typeface="標楷體" panose="03000509000000000000" pitchFamily="65" charset="-120"/>
+                <a:cs typeface="Times New Roman" panose="02020603050405020304" pitchFamily="18" charset="0"/>
+              </a:rPr>
+              <a:t>Splunk Phantom</a:t>
+            </a:r>
+          </a:p>
+          <a:p>
+            <a:pPr marL="342900" indent="-342900">
+              <a:lnSpc>
+                <a:spcPct val="150000"/>
+              </a:lnSpc>
+              <a:buFont typeface="Arial" panose="020B0604020202020204" pitchFamily="34" charset="0"/>
+              <a:buChar char="•"/>
+            </a:pPr>
+            <a:r>
+              <a:rPr lang="en-US" altLang="zh-TW" sz="2200" kern="100" dirty="0">
+                <a:latin typeface="Times New Roman" panose="02020603050405020304" pitchFamily="18" charset="0"/>
+                <a:ea typeface="標楷體" panose="03000509000000000000" pitchFamily="65" charset="-120"/>
+                <a:cs typeface="Times New Roman" panose="02020603050405020304" pitchFamily="18" charset="0"/>
+              </a:rPr>
+              <a:t>Wireshark</a:t>
+            </a:r>
+          </a:p>
+          <a:p>
+            <a:pPr marL="342900" indent="-342900">
+              <a:lnSpc>
+                <a:spcPct val="150000"/>
+              </a:lnSpc>
+              <a:buFont typeface="Arial" panose="020B0604020202020204" pitchFamily="34" charset="0"/>
+              <a:buChar char="•"/>
+            </a:pPr>
+            <a:r>
+              <a:rPr lang="en-US" altLang="zh-TW" sz="2200" kern="100" dirty="0">
+                <a:latin typeface="Times New Roman" panose="02020603050405020304" pitchFamily="18" charset="0"/>
+                <a:ea typeface="標楷體" panose="03000509000000000000" pitchFamily="65" charset="-120"/>
+                <a:cs typeface="Times New Roman" panose="02020603050405020304" pitchFamily="18" charset="0"/>
+              </a:rPr>
+              <a:t>Tenable Nessus</a:t>
+            </a:r>
+          </a:p>
+          <a:p>
+            <a:pPr marL="342900" indent="-342900">
+              <a:lnSpc>
+                <a:spcPct val="150000"/>
+              </a:lnSpc>
+              <a:buFont typeface="Arial" panose="020B0604020202020204" pitchFamily="34" charset="0"/>
+              <a:buChar char="•"/>
+            </a:pPr>
+            <a:r>
+              <a:rPr lang="en-US" altLang="zh-TW" sz="2200" kern="100" dirty="0">
+                <a:latin typeface="Times New Roman" panose="02020603050405020304" pitchFamily="18" charset="0"/>
+                <a:ea typeface="標楷體" panose="03000509000000000000" pitchFamily="65" charset="-120"/>
+                <a:cs typeface="Times New Roman" panose="02020603050405020304" pitchFamily="18" charset="0"/>
+              </a:rPr>
+              <a:t>Autopsy</a:t>
+            </a:r>
+          </a:p>
+        </p:txBody>
+      </p:sp>
+      <p:sp>
+        <p:nvSpPr>
+          <p:cNvPr id="7" name="文字方塊 6">
+            <a:extLst>
+              <a:ext uri="{FF2B5EF4-FFF2-40B4-BE49-F238E27FC236}">
+                <a16:creationId xmlns:a16="http://schemas.microsoft.com/office/drawing/2014/main" id="{E454B551-403B-269E-BAD1-4ACFEE14036C}"/>
+              </a:ext>
+            </a:extLst>
+          </p:cNvPr>
+          <p:cNvSpPr txBox="1"/>
+          <p:nvPr/>
+        </p:nvSpPr>
+        <p:spPr>
+          <a:xfrm>
+            <a:off x="5406858" y="2923733"/>
+            <a:ext cx="2591085" cy="2570704"/>
+          </a:xfrm>
+          <a:prstGeom prst="rect">
+            <a:avLst/>
+          </a:prstGeom>
+          <a:noFill/>
+        </p:spPr>
+        <p:txBody>
+          <a:bodyPr wrap="square">
+            <a:spAutoFit/>
+          </a:bodyPr>
+          <a:lstStyle/>
+          <a:p>
+            <a:pPr>
+              <a:lnSpc>
+                <a:spcPct val="150000"/>
+              </a:lnSpc>
+              <a:buFont typeface="Arial" panose="020B0604020202020204" pitchFamily="34" charset="0"/>
+              <a:buChar char="•"/>
+            </a:pPr>
+            <a:r>
+              <a:rPr lang="en-US" altLang="zh-TW" sz="2200" b="0" i="0" dirty="0">
+                <a:solidFill>
+                  <a:srgbClr val="444440"/>
+                </a:solidFill>
+                <a:effectLst/>
+                <a:latin typeface="Times New Roman" panose="02020603050405020304" pitchFamily="18" charset="0"/>
+                <a:ea typeface="標楷體" panose="03000509000000000000" pitchFamily="65" charset="-120"/>
+                <a:cs typeface="Times New Roman" panose="02020603050405020304" pitchFamily="18" charset="0"/>
+              </a:rPr>
+              <a:t>Python</a:t>
+            </a:r>
+            <a:endParaRPr lang="en-US" altLang="zh-TW" sz="2200" dirty="0">
+              <a:latin typeface="Times New Roman" panose="02020603050405020304" pitchFamily="18" charset="0"/>
+              <a:ea typeface="標楷體" panose="03000509000000000000" pitchFamily="65" charset="-120"/>
+              <a:cs typeface="Times New Roman" panose="02020603050405020304" pitchFamily="18" charset="0"/>
+            </a:endParaRPr>
+          </a:p>
+          <a:p>
+            <a:pPr>
+              <a:lnSpc>
+                <a:spcPct val="150000"/>
+              </a:lnSpc>
+              <a:buFont typeface="Arial" panose="020B0604020202020204" pitchFamily="34" charset="0"/>
+              <a:buChar char="•"/>
+            </a:pPr>
+            <a:r>
+              <a:rPr lang="en-US" altLang="zh-TW" sz="2200" b="0" i="0" dirty="0">
+                <a:solidFill>
+                  <a:srgbClr val="444440"/>
+                </a:solidFill>
+                <a:effectLst/>
+                <a:latin typeface="Times New Roman" panose="02020603050405020304" pitchFamily="18" charset="0"/>
+                <a:ea typeface="標楷體" panose="03000509000000000000" pitchFamily="65" charset="-120"/>
+                <a:cs typeface="Times New Roman" panose="02020603050405020304" pitchFamily="18" charset="0"/>
+              </a:rPr>
+              <a:t>SQL</a:t>
+            </a:r>
+            <a:endParaRPr lang="en-US" altLang="zh-TW" sz="2200" dirty="0">
+              <a:latin typeface="Times New Roman" panose="02020603050405020304" pitchFamily="18" charset="0"/>
+              <a:ea typeface="標楷體" panose="03000509000000000000" pitchFamily="65" charset="-120"/>
+              <a:cs typeface="Times New Roman" panose="02020603050405020304" pitchFamily="18" charset="0"/>
+            </a:endParaRPr>
+          </a:p>
+          <a:p>
+            <a:pPr>
+              <a:lnSpc>
+                <a:spcPct val="150000"/>
+              </a:lnSpc>
+              <a:buFont typeface="Arial" panose="020B0604020202020204" pitchFamily="34" charset="0"/>
+              <a:buChar char="•"/>
+            </a:pPr>
+            <a:r>
+              <a:rPr lang="en-US" altLang="zh-TW" sz="2200" b="0" i="0" dirty="0">
+                <a:solidFill>
+                  <a:srgbClr val="444440"/>
+                </a:solidFill>
+                <a:effectLst/>
+                <a:latin typeface="Times New Roman" panose="02020603050405020304" pitchFamily="18" charset="0"/>
+                <a:ea typeface="標楷體" panose="03000509000000000000" pitchFamily="65" charset="-120"/>
+                <a:cs typeface="Times New Roman" panose="02020603050405020304" pitchFamily="18" charset="0"/>
+              </a:rPr>
+              <a:t>Excel</a:t>
+            </a:r>
+            <a:endParaRPr lang="en-US" altLang="zh-TW" sz="2200" dirty="0">
+              <a:latin typeface="Times New Roman" panose="02020603050405020304" pitchFamily="18" charset="0"/>
+              <a:ea typeface="標楷體" panose="03000509000000000000" pitchFamily="65" charset="-120"/>
+              <a:cs typeface="Times New Roman" panose="02020603050405020304" pitchFamily="18" charset="0"/>
+            </a:endParaRPr>
+          </a:p>
+          <a:p>
+            <a:pPr>
+              <a:lnSpc>
+                <a:spcPct val="150000"/>
+              </a:lnSpc>
+              <a:buFont typeface="Arial" panose="020B0604020202020204" pitchFamily="34" charset="0"/>
+              <a:buChar char="•"/>
+            </a:pPr>
+            <a:r>
+              <a:rPr lang="en-US" altLang="zh-TW" sz="2200" b="0" i="0" dirty="0">
+                <a:solidFill>
+                  <a:srgbClr val="444440"/>
+                </a:solidFill>
+                <a:effectLst/>
+                <a:latin typeface="Times New Roman" panose="02020603050405020304" pitchFamily="18" charset="0"/>
+                <a:ea typeface="標楷體" panose="03000509000000000000" pitchFamily="65" charset="-120"/>
+                <a:cs typeface="Times New Roman" panose="02020603050405020304" pitchFamily="18" charset="0"/>
+              </a:rPr>
+              <a:t>Power BI</a:t>
+            </a:r>
+            <a:endParaRPr lang="en-US" altLang="zh-TW" sz="2200" dirty="0">
+              <a:latin typeface="Times New Roman" panose="02020603050405020304" pitchFamily="18" charset="0"/>
+              <a:ea typeface="標楷體" panose="03000509000000000000" pitchFamily="65" charset="-120"/>
+              <a:cs typeface="Times New Roman" panose="02020603050405020304" pitchFamily="18" charset="0"/>
+            </a:endParaRPr>
+          </a:p>
+          <a:p>
+            <a:pPr>
+              <a:lnSpc>
+                <a:spcPct val="150000"/>
+              </a:lnSpc>
+              <a:buFont typeface="Arial" panose="020B0604020202020204" pitchFamily="34" charset="0"/>
+              <a:buChar char="•"/>
+            </a:pPr>
+            <a:r>
+              <a:rPr lang="en-US" altLang="zh-TW" sz="2200" b="0" i="0" dirty="0">
+                <a:solidFill>
+                  <a:srgbClr val="444440"/>
+                </a:solidFill>
+                <a:effectLst/>
+                <a:latin typeface="Times New Roman" panose="02020603050405020304" pitchFamily="18" charset="0"/>
+                <a:ea typeface="標楷體" panose="03000509000000000000" pitchFamily="65" charset="-120"/>
+                <a:cs typeface="Times New Roman" panose="02020603050405020304" pitchFamily="18" charset="0"/>
+              </a:rPr>
+              <a:t>Google Analytics</a:t>
+            </a:r>
+            <a:endParaRPr lang="en-US" altLang="zh-TW" sz="2200" kern="100" dirty="0">
+              <a:latin typeface="Times New Roman" panose="02020603050405020304" pitchFamily="18" charset="0"/>
+              <a:ea typeface="標楷體" panose="03000509000000000000" pitchFamily="65" charset="-120"/>
+              <a:cs typeface="Times New Roman" panose="02020603050405020304" pitchFamily="18" charset="0"/>
+            </a:endParaRPr>
+          </a:p>
+        </p:txBody>
+      </p:sp>
     </p:spTree>
     <p:extLst>
       <p:ext uri="{BB962C8B-B14F-4D97-AF65-F5344CB8AC3E}">
-        <p14:creationId xmlns:p14="http://schemas.microsoft.com/office/powerpoint/2010/main" val="3954764485"/>
+        <p14:creationId xmlns:p14="http://schemas.microsoft.com/office/powerpoint/2010/main" val="96649830"/>
       </p:ext>
     </p:extLst>
   </p:cSld>
@@ -12329,6 +13098,224 @@
 </file>
 
 <file path=ppt/slides/slide3.xml><?xml version="1.0" encoding="utf-8"?>
+<p:sld xmlns:a="http://schemas.openxmlformats.org/drawingml/2006/main" xmlns:r="http://schemas.openxmlformats.org/officeDocument/2006/relationships" xmlns:p="http://schemas.openxmlformats.org/presentationml/2006/main">
+  <p:cSld>
+    <p:spTree>
+      <p:nvGrpSpPr>
+        <p:cNvPr id="1" name=""/>
+        <p:cNvGrpSpPr/>
+        <p:nvPr/>
+      </p:nvGrpSpPr>
+      <p:grpSpPr>
+        <a:xfrm>
+          <a:off x="0" y="0"/>
+          <a:ext cx="0" cy="0"/>
+          <a:chOff x="0" y="0"/>
+          <a:chExt cx="0" cy="0"/>
+        </a:xfrm>
+      </p:grpSpPr>
+      <p:sp>
+        <p:nvSpPr>
+          <p:cNvPr id="2" name="標題 1">
+            <a:extLst>
+              <a:ext uri="{FF2B5EF4-FFF2-40B4-BE49-F238E27FC236}">
+                <a16:creationId xmlns:a16="http://schemas.microsoft.com/office/drawing/2014/main" id="{0BAA61AA-2D0C-5E98-B424-D01A2A907434}"/>
+              </a:ext>
+            </a:extLst>
+          </p:cNvPr>
+          <p:cNvSpPr>
+            <a:spLocks noGrp="1"/>
+          </p:cNvSpPr>
+          <p:nvPr>
+            <p:ph type="title"/>
+          </p:nvPr>
+        </p:nvSpPr>
+        <p:spPr>
+          <a:xfrm>
+            <a:off x="448888" y="2582289"/>
+            <a:ext cx="3629693" cy="1324693"/>
+          </a:xfrm>
+        </p:spPr>
+        <p:txBody>
+          <a:bodyPr vert="horz" lIns="91440" tIns="45720" rIns="91440" bIns="45720" rtlCol="0" anchor="ctr">
+            <a:noAutofit/>
+          </a:bodyPr>
+          <a:lstStyle/>
+          <a:p>
+            <a:pPr algn="ctr"/>
+            <a:r>
+              <a:rPr lang="zh-TW" altLang="en-US" sz="5400" kern="100" dirty="0">
+                <a:latin typeface="標楷體" panose="03000509000000000000" pitchFamily="65" charset="-120"/>
+                <a:ea typeface="標楷體" panose="03000509000000000000" pitchFamily="65" charset="-120"/>
+                <a:cs typeface="Times New Roman" panose="02020603050405020304" pitchFamily="18" charset="0"/>
+              </a:rPr>
+              <a:t>自我介紹</a:t>
+            </a:r>
+            <a:endParaRPr lang="en-US" altLang="zh-TW" sz="5400" kern="100" dirty="0">
+              <a:latin typeface="標楷體" panose="03000509000000000000" pitchFamily="65" charset="-120"/>
+              <a:ea typeface="標楷體" panose="03000509000000000000" pitchFamily="65" charset="-120"/>
+              <a:cs typeface="Times New Roman" panose="02020603050405020304" pitchFamily="18" charset="0"/>
+            </a:endParaRPr>
+          </a:p>
+        </p:txBody>
+      </p:sp>
+      <p:sp>
+        <p:nvSpPr>
+          <p:cNvPr id="3" name="文字版面配置區 2">
+            <a:extLst>
+              <a:ext uri="{FF2B5EF4-FFF2-40B4-BE49-F238E27FC236}">
+                <a16:creationId xmlns:a16="http://schemas.microsoft.com/office/drawing/2014/main" id="{0D449EE2-91CE-23F0-BFE6-98A003050F5A}"/>
+              </a:ext>
+            </a:extLst>
+          </p:cNvPr>
+          <p:cNvSpPr>
+            <a:spLocks noGrp="1"/>
+          </p:cNvSpPr>
+          <p:nvPr>
+            <p:ph type="body" idx="1"/>
+          </p:nvPr>
+        </p:nvSpPr>
+        <p:spPr>
+          <a:xfrm>
+            <a:off x="4447308" y="0"/>
+            <a:ext cx="7744692" cy="6858000"/>
+          </a:xfrm>
+        </p:spPr>
+        <p:txBody>
+          <a:bodyPr vert="horz" lIns="91440" tIns="45720" rIns="91440" bIns="45720" rtlCol="0" anchor="ctr">
+            <a:normAutofit/>
+          </a:bodyPr>
+          <a:lstStyle/>
+          <a:p>
+            <a:pPr algn="ctr"/>
+            <a:r>
+              <a:rPr lang="zh-TW" altLang="en-US" sz="4800" dirty="0">
+                <a:solidFill>
+                  <a:schemeClr val="accent6"/>
+                </a:solidFill>
+                <a:latin typeface="標楷體" panose="03000509000000000000" pitchFamily="65" charset="-120"/>
+                <a:ea typeface="標楷體" panose="03000509000000000000" pitchFamily="65" charset="-120"/>
+              </a:rPr>
+              <a:t>教育</a:t>
+            </a:r>
+            <a:endParaRPr lang="en-US" altLang="zh-TW" sz="3200" dirty="0">
+              <a:latin typeface="標楷體" panose="03000509000000000000" pitchFamily="65" charset="-120"/>
+              <a:ea typeface="標楷體" panose="03000509000000000000" pitchFamily="65" charset="-120"/>
+            </a:endParaRPr>
+          </a:p>
+          <a:p>
+            <a:r>
+              <a:rPr lang="en-US" altLang="zh-TW" sz="2200" dirty="0">
+                <a:latin typeface="標楷體" panose="03000509000000000000" pitchFamily="65" charset="-120"/>
+                <a:ea typeface="標楷體" panose="03000509000000000000" pitchFamily="65" charset="-120"/>
+              </a:rPr>
+              <a:t>Cisco CCST </a:t>
+            </a:r>
+            <a:r>
+              <a:rPr lang="zh-TW" altLang="en-US" sz="2200" dirty="0">
+                <a:latin typeface="標楷體" panose="03000509000000000000" pitchFamily="65" charset="-120"/>
+                <a:ea typeface="標楷體" panose="03000509000000000000" pitchFamily="65" charset="-120"/>
+              </a:rPr>
+              <a:t>思科認證技術人員原廠國際認證</a:t>
+            </a:r>
+          </a:p>
+          <a:p>
+            <a:r>
+              <a:rPr lang="en-US" altLang="zh-TW" sz="2200" dirty="0">
+                <a:latin typeface="標楷體" panose="03000509000000000000" pitchFamily="65" charset="-120"/>
+                <a:ea typeface="標楷體" panose="03000509000000000000" pitchFamily="65" charset="-120"/>
+              </a:rPr>
+              <a:t>Pearson VUE ITS </a:t>
+            </a:r>
+            <a:r>
+              <a:rPr lang="zh-TW" altLang="en-US" sz="2200" dirty="0">
+                <a:latin typeface="標楷體" panose="03000509000000000000" pitchFamily="65" charset="-120"/>
+                <a:ea typeface="標楷體" panose="03000509000000000000" pitchFamily="65" charset="-120"/>
+              </a:rPr>
+              <a:t>資訊科技專家國際專業認證</a:t>
+            </a:r>
+            <a:endParaRPr lang="en-US" altLang="zh-TW" sz="2200" dirty="0">
+              <a:latin typeface="標楷體" panose="03000509000000000000" pitchFamily="65" charset="-120"/>
+              <a:ea typeface="標楷體" panose="03000509000000000000" pitchFamily="65" charset="-120"/>
+            </a:endParaRPr>
+          </a:p>
+          <a:p>
+            <a:r>
+              <a:rPr lang="en-US" altLang="zh-TW" sz="2200" dirty="0">
+                <a:latin typeface="標楷體" panose="03000509000000000000" pitchFamily="65" charset="-120"/>
+                <a:ea typeface="標楷體" panose="03000509000000000000" pitchFamily="65" charset="-120"/>
+              </a:rPr>
+              <a:t>Google Advanced Data Analytics Professional Certificate</a:t>
+            </a:r>
+          </a:p>
+          <a:p>
+            <a:r>
+              <a:rPr lang="pt-BR" altLang="zh-TW" sz="2200" dirty="0">
+                <a:latin typeface="標楷體" panose="03000509000000000000" pitchFamily="65" charset="-120"/>
+                <a:ea typeface="標楷體" panose="03000509000000000000" pitchFamily="65" charset="-120"/>
+              </a:rPr>
+              <a:t>Google Cybersecurity Professional Certificate</a:t>
+            </a:r>
+            <a:endParaRPr lang="en-US" altLang="zh-TW" sz="2200" dirty="0">
+              <a:latin typeface="標楷體" panose="03000509000000000000" pitchFamily="65" charset="-120"/>
+              <a:ea typeface="標楷體" panose="03000509000000000000" pitchFamily="65" charset="-120"/>
+            </a:endParaRPr>
+          </a:p>
+          <a:p>
+            <a:r>
+              <a:rPr lang="en-US" altLang="zh-TW" sz="2200" dirty="0">
+                <a:latin typeface="標楷體" panose="03000509000000000000" pitchFamily="65" charset="-120"/>
+                <a:ea typeface="標楷體" panose="03000509000000000000" pitchFamily="65" charset="-120"/>
+              </a:rPr>
+              <a:t>IBM Data Analytics with Excel and R Professional Certificate</a:t>
+            </a:r>
+          </a:p>
+          <a:p>
+            <a:r>
+              <a:rPr lang="en-US" altLang="zh-TW" sz="2200" dirty="0">
+                <a:latin typeface="標楷體" panose="03000509000000000000" pitchFamily="65" charset="-120"/>
+                <a:ea typeface="標楷體" panose="03000509000000000000" pitchFamily="65" charset="-120"/>
+              </a:rPr>
+              <a:t>Google Analytics (</a:t>
+            </a:r>
+            <a:r>
+              <a:rPr lang="zh-TW" altLang="en-US" sz="2200" dirty="0">
+                <a:latin typeface="標楷體" panose="03000509000000000000" pitchFamily="65" charset="-120"/>
+                <a:ea typeface="標楷體" panose="03000509000000000000" pitchFamily="65" charset="-120"/>
+              </a:rPr>
+              <a:t>分析</a:t>
+            </a:r>
+            <a:r>
+              <a:rPr lang="en-US" altLang="zh-TW" sz="2200" dirty="0">
+                <a:latin typeface="標楷體" panose="03000509000000000000" pitchFamily="65" charset="-120"/>
+                <a:ea typeface="標楷體" panose="03000509000000000000" pitchFamily="65" charset="-120"/>
+              </a:rPr>
+              <a:t>) </a:t>
+            </a:r>
+            <a:r>
+              <a:rPr lang="zh-TW" altLang="en-US" sz="2200" dirty="0">
+                <a:latin typeface="標楷體" panose="03000509000000000000" pitchFamily="65" charset="-120"/>
+                <a:ea typeface="標楷體" panose="03000509000000000000" pitchFamily="65" charset="-120"/>
+              </a:rPr>
+              <a:t>個人認證</a:t>
+            </a:r>
+          </a:p>
+        </p:txBody>
+      </p:sp>
+    </p:spTree>
+    <p:extLst>
+      <p:ext uri="{BB962C8B-B14F-4D97-AF65-F5344CB8AC3E}">
+        <p14:creationId xmlns:p14="http://schemas.microsoft.com/office/powerpoint/2010/main" val="2392853181"/>
+      </p:ext>
+    </p:extLst>
+  </p:cSld>
+  <p:clrMapOvr>
+    <a:masterClrMapping/>
+  </p:clrMapOvr>
+</p:sld>
+</file>
+
+<file path=ppt/slides/slide4.xml><?xml version="1.0" encoding="utf-8"?>
 <p:sld xmlns:a="http://schemas.openxmlformats.org/drawingml/2006/main" xmlns:r="http://schemas.openxmlformats.org/officeDocument/2006/relationships" xmlns:p="http://schemas.openxmlformats.org/presentationml/2006/main">
   <p:cSld>
     <p:spTree>
@@ -12460,7 +13447,7 @@
 </p:sld>
 </file>
 
-<file path=ppt/slides/slide4.xml><?xml version="1.0" encoding="utf-8"?>
+<file path=ppt/slides/slide5.xml><?xml version="1.0" encoding="utf-8"?>
 <p:sld xmlns:a="http://schemas.openxmlformats.org/drawingml/2006/main" xmlns:r="http://schemas.openxmlformats.org/officeDocument/2006/relationships" xmlns:p="http://schemas.openxmlformats.org/presentationml/2006/main">
   <p:cSld>
     <p:spTree>
@@ -12565,7 +13552,7 @@
 </a:t>
             </a:r>
             <a:r>
-              <a:rPr lang="zh-TW" altLang="en-US" sz="2200" b="1" dirty="0">
+              <a:rPr lang="zh-TW" altLang="en-US" sz="2200" dirty="0">
                 <a:latin typeface="標楷體" panose="03000509000000000000" pitchFamily="65" charset="-120"/>
                 <a:ea typeface="標楷體" panose="03000509000000000000" pitchFamily="65" charset="-120"/>
                 <a:cs typeface="Times New Roman" panose="02020603050405020304" pitchFamily="18" charset="0"/>
@@ -12573,7 +13560,7 @@
               <a:t> 明確說明</a:t>
             </a:r>
             <a:r>
-              <a:rPr lang="en-US" altLang="zh-TW" sz="2200" b="1" dirty="0" err="1">
+              <a:rPr lang="en-US" altLang="zh-TW" sz="2200" dirty="0" err="1">
                 <a:latin typeface="標楷體" panose="03000509000000000000" pitchFamily="65" charset="-120"/>
                 <a:ea typeface="標楷體" panose="03000509000000000000" pitchFamily="65" charset="-120"/>
                 <a:cs typeface="Times New Roman" panose="02020603050405020304" pitchFamily="18" charset="0"/>
@@ -12581,7 +13568,7 @@
               <a:t>Incribo</a:t>
             </a:r>
             <a:r>
-              <a:rPr lang="zh-TW" altLang="en-US" sz="2200" b="1" dirty="0">
+              <a:rPr lang="zh-TW" altLang="en-US" sz="2200" dirty="0">
                 <a:latin typeface="標楷體" panose="03000509000000000000" pitchFamily="65" charset="-120"/>
                 <a:ea typeface="標楷體" panose="03000509000000000000" pitchFamily="65" charset="-120"/>
                 <a:cs typeface="Times New Roman" panose="02020603050405020304" pitchFamily="18" charset="0"/>
@@ -12609,7 +13596,7 @@
 </p:sld>
 </file>
 
-<file path=ppt/slides/slide5.xml><?xml version="1.0" encoding="utf-8"?>
+<file path=ppt/slides/slide6.xml><?xml version="1.0" encoding="utf-8"?>
 <p:sld xmlns:a="http://schemas.openxmlformats.org/drawingml/2006/main" xmlns:r="http://schemas.openxmlformats.org/officeDocument/2006/relationships" xmlns:p="http://schemas.openxmlformats.org/presentationml/2006/main">
   <p:cSld>
     <p:spTree>
@@ -12716,7 +13703,7 @@
 </a:t>
             </a:r>
             <a:r>
-              <a:rPr lang="zh-TW" altLang="en-US" sz="2200" b="1" i="0" dirty="0">
+              <a:rPr lang="zh-TW" altLang="en-US" sz="2200" i="0" dirty="0">
                 <a:effectLst/>
                 <a:latin typeface="標楷體" panose="03000509000000000000" pitchFamily="65" charset="-120"/>
                 <a:ea typeface="標楷體" panose="03000509000000000000" pitchFamily="65" charset="-120"/>
@@ -12725,7 +13712,7 @@
               <a:t> 數據需要嚴格清理，並遵守 </a:t>
             </a:r>
             <a:r>
-              <a:rPr lang="en-US" altLang="zh-TW" sz="2200" b="1" i="0" dirty="0">
+              <a:rPr lang="en-US" altLang="zh-TW" sz="2200" i="0" dirty="0">
                 <a:effectLst/>
                 <a:latin typeface="標楷體" panose="03000509000000000000" pitchFamily="65" charset="-120"/>
                 <a:ea typeface="標楷體" panose="03000509000000000000" pitchFamily="65" charset="-120"/>
@@ -12734,7 +13721,7 @@
               <a:t>ROCCC</a:t>
             </a:r>
             <a:r>
-              <a:rPr lang="zh-TW" altLang="en-US" sz="2200" b="1" i="0" dirty="0">
+              <a:rPr lang="zh-TW" altLang="en-US" sz="2200" i="0" dirty="0">
                 <a:effectLst/>
                 <a:latin typeface="標楷體" panose="03000509000000000000" pitchFamily="65" charset="-120"/>
                 <a:ea typeface="標楷體" panose="03000509000000000000" pitchFamily="65" charset="-120"/>
@@ -12742,7 +13729,7 @@
               </a:rPr>
               <a:t>（相關、原始、全面、一致和正確）標準，確保高品質的分析輸入。</a:t>
             </a:r>
-            <a:endParaRPr lang="en-US" altLang="zh-TW" sz="2200" b="1" i="0" dirty="0">
+            <a:endParaRPr lang="en-US" altLang="zh-TW" sz="2200" i="0" dirty="0">
               <a:effectLst/>
               <a:latin typeface="標楷體" panose="03000509000000000000" pitchFamily="65" charset="-120"/>
               <a:ea typeface="標楷體" panose="03000509000000000000" pitchFamily="65" charset="-120"/>
@@ -12778,7 +13765,7 @@
 </a:t>
             </a:r>
             <a:r>
-              <a:rPr lang="zh-TW" altLang="en-US" sz="2200" b="1" i="0" dirty="0">
+              <a:rPr lang="zh-TW" altLang="en-US" sz="2200" i="0" dirty="0">
                 <a:effectLst/>
                 <a:latin typeface="標楷體" panose="03000509000000000000" pitchFamily="65" charset="-120"/>
                 <a:ea typeface="標楷體" panose="03000509000000000000" pitchFamily="65" charset="-120"/>
@@ -12787,7 +13774,7 @@
               <a:t>在 </a:t>
             </a:r>
             <a:r>
-              <a:rPr lang="en-US" altLang="zh-TW" sz="2200" b="1" i="0" dirty="0" err="1">
+              <a:rPr lang="en-US" altLang="zh-TW" sz="2200" i="0" dirty="0" err="1">
                 <a:effectLst/>
                 <a:latin typeface="標楷體" panose="03000509000000000000" pitchFamily="65" charset="-120"/>
                 <a:ea typeface="標楷體" panose="03000509000000000000" pitchFamily="65" charset="-120"/>
@@ -12796,7 +13783,7 @@
               <a:t>Jupyter</a:t>
             </a:r>
             <a:r>
-              <a:rPr lang="en-US" altLang="zh-TW" sz="2200" b="1" i="0" dirty="0">
+              <a:rPr lang="en-US" altLang="zh-TW" sz="2200" i="0" dirty="0">
                 <a:effectLst/>
                 <a:latin typeface="標楷體" panose="03000509000000000000" pitchFamily="65" charset="-120"/>
                 <a:ea typeface="標楷體" panose="03000509000000000000" pitchFamily="65" charset="-120"/>
@@ -12805,7 +13792,7 @@
               <a:t> Notebook </a:t>
             </a:r>
             <a:r>
-              <a:rPr lang="zh-TW" altLang="en-US" sz="2200" b="1" i="0" dirty="0">
+              <a:rPr lang="zh-TW" altLang="en-US" sz="2200" i="0" dirty="0">
                 <a:effectLst/>
                 <a:latin typeface="標楷體" panose="03000509000000000000" pitchFamily="65" charset="-120"/>
                 <a:ea typeface="標楷體" panose="03000509000000000000" pitchFamily="65" charset="-120"/>
@@ -12814,7 +13801,7 @@
               <a:t>中使用 </a:t>
             </a:r>
             <a:r>
-              <a:rPr lang="en-US" altLang="zh-TW" sz="2200" b="1" i="0" dirty="0">
+              <a:rPr lang="en-US" altLang="zh-TW" sz="2200" i="0" dirty="0">
                 <a:effectLst/>
                 <a:latin typeface="標楷體" panose="03000509000000000000" pitchFamily="65" charset="-120"/>
                 <a:ea typeface="標楷體" panose="03000509000000000000" pitchFamily="65" charset="-120"/>
@@ -12823,7 +13810,7 @@
               <a:t>Python </a:t>
             </a:r>
             <a:r>
-              <a:rPr lang="zh-TW" altLang="en-US" sz="2200" b="1" i="0" dirty="0">
+              <a:rPr lang="zh-TW" altLang="en-US" sz="2200" i="0" dirty="0">
                 <a:effectLst/>
                 <a:latin typeface="標楷體" panose="03000509000000000000" pitchFamily="65" charset="-120"/>
                 <a:ea typeface="標楷體" panose="03000509000000000000" pitchFamily="65" charset="-120"/>
@@ -12831,7 +13818,7 @@
               </a:rPr>
               <a:t>進行高效的數據清理和操作。一絲不苟地記錄每個步驟，以確保可重複性和透明度，展示分析師的技術熟練程度。</a:t>
             </a:r>
-            <a:endParaRPr lang="en-US" altLang="zh-TW" sz="2200" b="0" i="0" dirty="0">
+            <a:endParaRPr lang="en-US" altLang="zh-TW" sz="2200" i="0" dirty="0">
               <a:effectLst/>
               <a:latin typeface="標楷體" panose="03000509000000000000" pitchFamily="65" charset="-120"/>
               <a:ea typeface="標楷體" panose="03000509000000000000" pitchFamily="65" charset="-120"/>
@@ -12853,7 +13840,7 @@
 </p:sld>
 </file>
 
-<file path=ppt/slides/slide6.xml><?xml version="1.0" encoding="utf-8"?>
+<file path=ppt/slides/slide7.xml><?xml version="1.0" encoding="utf-8"?>
 <p:sld xmlns:a="http://schemas.openxmlformats.org/drawingml/2006/main" xmlns:r="http://schemas.openxmlformats.org/officeDocument/2006/relationships" xmlns:p="http://schemas.openxmlformats.org/presentationml/2006/main">
   <p:cSld>
     <p:spTree>
@@ -12875,6 +13862,310 @@
           <p:cNvPr id="2" name="標題 1">
             <a:extLst>
               <a:ext uri="{FF2B5EF4-FFF2-40B4-BE49-F238E27FC236}">
+                <a16:creationId xmlns:a16="http://schemas.microsoft.com/office/drawing/2014/main" id="{10A4CA38-DE4C-1F0B-E3BA-C8A05A720C6E}"/>
+              </a:ext>
+            </a:extLst>
+          </p:cNvPr>
+          <p:cNvSpPr>
+            <a:spLocks noGrp="1"/>
+          </p:cNvSpPr>
+          <p:nvPr>
+            <p:ph type="title"/>
+          </p:nvPr>
+        </p:nvSpPr>
+        <p:spPr>
+          <a:xfrm>
+            <a:off x="665018" y="2753772"/>
+            <a:ext cx="3308466" cy="1186461"/>
+          </a:xfrm>
+        </p:spPr>
+        <p:txBody>
+          <a:bodyPr vert="horz" lIns="91440" tIns="45720" rIns="91440" bIns="45720" rtlCol="0" anchor="ctr">
+            <a:normAutofit/>
+          </a:bodyPr>
+          <a:lstStyle/>
+          <a:p>
+            <a:pPr algn="ctr"/>
+            <a:r>
+              <a:rPr lang="zh-TW" altLang="en-US" sz="5400" dirty="0">
+                <a:latin typeface="標楷體" panose="03000509000000000000" pitchFamily="65" charset="-120"/>
+                <a:ea typeface="標楷體" panose="03000509000000000000" pitchFamily="65" charset="-120"/>
+                <a:cs typeface="Times New Roman" panose="02020603050405020304" pitchFamily="18" charset="0"/>
+              </a:rPr>
+              <a:t>準備</a:t>
+            </a:r>
+            <a:endParaRPr lang="en-US" altLang="zh-TW" sz="3600" kern="1200" dirty="0">
+              <a:latin typeface="標楷體" panose="03000509000000000000" pitchFamily="65" charset="-120"/>
+              <a:ea typeface="標楷體" panose="03000509000000000000" pitchFamily="65" charset="-120"/>
+              <a:cs typeface="Times New Roman" panose="02020603050405020304" pitchFamily="18" charset="0"/>
+            </a:endParaRPr>
+          </a:p>
+        </p:txBody>
+      </p:sp>
+      <p:sp>
+        <p:nvSpPr>
+          <p:cNvPr id="3" name="文字版面配置區 2">
+            <a:extLst>
+              <a:ext uri="{FF2B5EF4-FFF2-40B4-BE49-F238E27FC236}">
+                <a16:creationId xmlns:a16="http://schemas.microsoft.com/office/drawing/2014/main" id="{96B429AB-CB99-7F10-57B7-670F434CBD4A}"/>
+              </a:ext>
+            </a:extLst>
+          </p:cNvPr>
+          <p:cNvSpPr>
+            <a:spLocks noGrp="1"/>
+          </p:cNvSpPr>
+          <p:nvPr>
+            <p:ph type="body" idx="1"/>
+          </p:nvPr>
+        </p:nvSpPr>
+        <p:spPr>
+          <a:xfrm>
+            <a:off x="4447308" y="0"/>
+            <a:ext cx="7744692" cy="6176963"/>
+          </a:xfrm>
+        </p:spPr>
+        <p:txBody>
+          <a:bodyPr vert="horz" lIns="91440" tIns="45720" rIns="91440" bIns="45720" rtlCol="0" anchor="ctr">
+            <a:normAutofit/>
+          </a:bodyPr>
+          <a:lstStyle/>
+          <a:p>
+            <a:pPr marL="0" indent="0" algn="ctr">
+              <a:buNone/>
+            </a:pPr>
+            <a:r>
+              <a:rPr lang="zh-TW" altLang="en-US" sz="3200" b="1" i="0" dirty="0">
+                <a:solidFill>
+                  <a:schemeClr val="accent6"/>
+                </a:solidFill>
+                <a:effectLst/>
+                <a:latin typeface="標楷體" panose="03000509000000000000" pitchFamily="65" charset="-120"/>
+                <a:ea typeface="標楷體" panose="03000509000000000000" pitchFamily="65" charset="-120"/>
+                <a:cs typeface="Times New Roman" panose="02020603050405020304" pitchFamily="18" charset="0"/>
+              </a:rPr>
+              <a:t>數據源：
+</a:t>
+            </a:r>
+            <a:r>
+              <a:rPr lang="zh-TW" altLang="en-US" sz="2200" b="1" i="0" dirty="0">
+                <a:effectLst/>
+                <a:latin typeface="標楷體" panose="03000509000000000000" pitchFamily="65" charset="-120"/>
+                <a:ea typeface="標楷體" panose="03000509000000000000" pitchFamily="65" charset="-120"/>
+                <a:cs typeface="Times New Roman" panose="02020603050405020304" pitchFamily="18" charset="0"/>
+              </a:rPr>
+              <a:t> 數據需要嚴格清理，並遵守 </a:t>
+            </a:r>
+            <a:r>
+              <a:rPr lang="en-US" altLang="zh-TW" sz="2200" b="1" i="0" dirty="0">
+                <a:effectLst/>
+                <a:latin typeface="標楷體" panose="03000509000000000000" pitchFamily="65" charset="-120"/>
+                <a:ea typeface="標楷體" panose="03000509000000000000" pitchFamily="65" charset="-120"/>
+                <a:cs typeface="Times New Roman" panose="02020603050405020304" pitchFamily="18" charset="0"/>
+              </a:rPr>
+              <a:t>ROCCC</a:t>
+            </a:r>
+            <a:r>
+              <a:rPr lang="zh-TW" altLang="en-US" sz="2200" b="1" i="0" dirty="0">
+                <a:effectLst/>
+                <a:latin typeface="標楷體" panose="03000509000000000000" pitchFamily="65" charset="-120"/>
+                <a:ea typeface="標楷體" panose="03000509000000000000" pitchFamily="65" charset="-120"/>
+                <a:cs typeface="Times New Roman" panose="02020603050405020304" pitchFamily="18" charset="0"/>
+              </a:rPr>
+              <a:t>（相關、原始、全面、一致和正確）標準，確保高品質的分析輸入。</a:t>
+            </a:r>
+            <a:endParaRPr lang="en-US" altLang="zh-TW" sz="2200" b="1" i="0" dirty="0">
+              <a:effectLst/>
+              <a:latin typeface="標楷體" panose="03000509000000000000" pitchFamily="65" charset="-120"/>
+              <a:ea typeface="標楷體" panose="03000509000000000000" pitchFamily="65" charset="-120"/>
+              <a:cs typeface="Times New Roman" panose="02020603050405020304" pitchFamily="18" charset="0"/>
+            </a:endParaRPr>
+          </a:p>
+          <a:p>
+            <a:pPr marL="0" indent="0" algn="ctr">
+              <a:buNone/>
+            </a:pPr>
+            <a:endParaRPr lang="en-US" altLang="zh-TW" sz="2200" b="1" i="0" dirty="0">
+              <a:effectLst/>
+              <a:latin typeface="標楷體" panose="03000509000000000000" pitchFamily="65" charset="-120"/>
+              <a:ea typeface="標楷體" panose="03000509000000000000" pitchFamily="65" charset="-120"/>
+              <a:cs typeface="Times New Roman" panose="02020603050405020304" pitchFamily="18" charset="0"/>
+            </a:endParaRPr>
+          </a:p>
+          <a:p>
+            <a:pPr marL="0" indent="0" algn="ctr">
+              <a:buNone/>
+            </a:pPr>
+            <a:r>
+              <a:rPr lang="zh-TW" altLang="en-US" sz="3200" b="1" i="0" dirty="0">
+                <a:solidFill>
+                  <a:schemeClr val="accent6"/>
+                </a:solidFill>
+                <a:effectLst/>
+                <a:latin typeface="標楷體" panose="03000509000000000000" pitchFamily="65" charset="-120"/>
+                <a:ea typeface="標楷體" panose="03000509000000000000" pitchFamily="65" charset="-120"/>
+                <a:cs typeface="Times New Roman" panose="02020603050405020304" pitchFamily="18" charset="0"/>
+              </a:rPr>
+              <a:t>數據清理：
+</a:t>
+            </a:r>
+            <a:r>
+              <a:rPr lang="zh-TW" altLang="en-US" sz="2200" b="1" i="0" dirty="0">
+                <a:effectLst/>
+                <a:latin typeface="標楷體" panose="03000509000000000000" pitchFamily="65" charset="-120"/>
+                <a:ea typeface="標楷體" panose="03000509000000000000" pitchFamily="65" charset="-120"/>
+                <a:cs typeface="Times New Roman" panose="02020603050405020304" pitchFamily="18" charset="0"/>
+              </a:rPr>
+              <a:t>在 </a:t>
+            </a:r>
+            <a:r>
+              <a:rPr lang="en-US" altLang="zh-TW" sz="2200" b="1" i="0" dirty="0" err="1">
+                <a:effectLst/>
+                <a:latin typeface="標楷體" panose="03000509000000000000" pitchFamily="65" charset="-120"/>
+                <a:ea typeface="標楷體" panose="03000509000000000000" pitchFamily="65" charset="-120"/>
+                <a:cs typeface="Times New Roman" panose="02020603050405020304" pitchFamily="18" charset="0"/>
+              </a:rPr>
+              <a:t>Jupyter</a:t>
+            </a:r>
+            <a:r>
+              <a:rPr lang="en-US" altLang="zh-TW" sz="2200" b="1" i="0" dirty="0">
+                <a:effectLst/>
+                <a:latin typeface="標楷體" panose="03000509000000000000" pitchFamily="65" charset="-120"/>
+                <a:ea typeface="標楷體" panose="03000509000000000000" pitchFamily="65" charset="-120"/>
+                <a:cs typeface="Times New Roman" panose="02020603050405020304" pitchFamily="18" charset="0"/>
+              </a:rPr>
+              <a:t> Notebook </a:t>
+            </a:r>
+            <a:r>
+              <a:rPr lang="zh-TW" altLang="en-US" sz="2200" b="1" i="0" dirty="0">
+                <a:effectLst/>
+                <a:latin typeface="標楷體" panose="03000509000000000000" pitchFamily="65" charset="-120"/>
+                <a:ea typeface="標楷體" panose="03000509000000000000" pitchFamily="65" charset="-120"/>
+                <a:cs typeface="Times New Roman" panose="02020603050405020304" pitchFamily="18" charset="0"/>
+              </a:rPr>
+              <a:t>中使用 </a:t>
+            </a:r>
+            <a:r>
+              <a:rPr lang="en-US" altLang="zh-TW" sz="2200" b="1" i="0" dirty="0">
+                <a:effectLst/>
+                <a:latin typeface="標楷體" panose="03000509000000000000" pitchFamily="65" charset="-120"/>
+                <a:ea typeface="標楷體" panose="03000509000000000000" pitchFamily="65" charset="-120"/>
+                <a:cs typeface="Times New Roman" panose="02020603050405020304" pitchFamily="18" charset="0"/>
+              </a:rPr>
+              <a:t>Python </a:t>
+            </a:r>
+            <a:r>
+              <a:rPr lang="zh-TW" altLang="en-US" sz="2200" b="1" i="0" dirty="0">
+                <a:effectLst/>
+                <a:latin typeface="標楷體" panose="03000509000000000000" pitchFamily="65" charset="-120"/>
+                <a:ea typeface="標楷體" panose="03000509000000000000" pitchFamily="65" charset="-120"/>
+                <a:cs typeface="Times New Roman" panose="02020603050405020304" pitchFamily="18" charset="0"/>
+              </a:rPr>
+              <a:t>進行高效的數據清理和操作。一絲不苟地記錄每個步驟，以確保可重複性和透明度，展示分析師的技術熟練程度。</a:t>
+            </a:r>
+            <a:endParaRPr lang="en-US" altLang="zh-TW" sz="2200" b="0" i="0" dirty="0">
+              <a:effectLst/>
+              <a:latin typeface="標楷體" panose="03000509000000000000" pitchFamily="65" charset="-120"/>
+              <a:ea typeface="標楷體" panose="03000509000000000000" pitchFamily="65" charset="-120"/>
+              <a:cs typeface="Times New Roman" panose="02020603050405020304" pitchFamily="18" charset="0"/>
+            </a:endParaRPr>
+          </a:p>
+        </p:txBody>
+      </p:sp>
+      <p:pic>
+        <p:nvPicPr>
+          <p:cNvPr id="5" name="圖片 4">
+            <a:extLst>
+              <a:ext uri="{FF2B5EF4-FFF2-40B4-BE49-F238E27FC236}">
+                <a16:creationId xmlns:a16="http://schemas.microsoft.com/office/drawing/2014/main" id="{59426437-00F1-33BC-4BFD-D5654AD19AEC}"/>
+              </a:ext>
+            </a:extLst>
+          </p:cNvPr>
+          <p:cNvPicPr>
+            <a:picLocks noChangeAspect="1"/>
+          </p:cNvPicPr>
+          <p:nvPr/>
+        </p:nvPicPr>
+        <p:blipFill>
+          <a:blip r:embed="rId2"/>
+          <a:stretch>
+            <a:fillRect/>
+          </a:stretch>
+        </p:blipFill>
+        <p:spPr>
+          <a:xfrm>
+            <a:off x="0" y="0"/>
+            <a:ext cx="12192000" cy="6858000"/>
+          </a:xfrm>
+          <a:prstGeom prst="rect">
+            <a:avLst/>
+          </a:prstGeom>
+        </p:spPr>
+      </p:pic>
+    </p:spTree>
+    <p:extLst>
+      <p:ext uri="{BB962C8B-B14F-4D97-AF65-F5344CB8AC3E}">
+        <p14:creationId xmlns:p14="http://schemas.microsoft.com/office/powerpoint/2010/main" val="1818936230"/>
+      </p:ext>
+    </p:extLst>
+  </p:cSld>
+  <p:clrMapOvr>
+    <a:masterClrMapping/>
+  </p:clrMapOvr>
+</p:sld>
+</file>
+
+<file path=ppt/slides/slide8.xml><?xml version="1.0" encoding="utf-8"?>
+<p:sld xmlns:a="http://schemas.openxmlformats.org/drawingml/2006/main" xmlns:r="http://schemas.openxmlformats.org/officeDocument/2006/relationships" xmlns:p="http://schemas.openxmlformats.org/presentationml/2006/main">
+  <p:cSld>
+    <p:spTree>
+      <p:nvGrpSpPr>
+        <p:cNvPr id="1" name=""/>
+        <p:cNvGrpSpPr/>
+        <p:nvPr/>
+      </p:nvGrpSpPr>
+      <p:grpSpPr>
+        <a:xfrm>
+          <a:off x="0" y="0"/>
+          <a:ext cx="0" cy="0"/>
+          <a:chOff x="0" y="0"/>
+          <a:chExt cx="0" cy="0"/>
+        </a:xfrm>
+      </p:grpSpPr>
+      <p:pic>
+        <p:nvPicPr>
+          <p:cNvPr id="5" name="圖片 4">
+            <a:extLst>
+              <a:ext uri="{FF2B5EF4-FFF2-40B4-BE49-F238E27FC236}">
+                <a16:creationId xmlns:a16="http://schemas.microsoft.com/office/drawing/2014/main" id="{B7743182-3F7F-2172-A95A-170EB318EA1C}"/>
+              </a:ext>
+            </a:extLst>
+          </p:cNvPr>
+          <p:cNvPicPr>
+            <a:picLocks noChangeAspect="1"/>
+          </p:cNvPicPr>
+          <p:nvPr/>
+        </p:nvPicPr>
+        <p:blipFill>
+          <a:blip r:embed="rId2"/>
+          <a:stretch>
+            <a:fillRect/>
+          </a:stretch>
+        </p:blipFill>
+        <p:spPr>
+          <a:xfrm>
+            <a:off x="97777" y="0"/>
+            <a:ext cx="2384045" cy="6858000"/>
+          </a:xfrm>
+          <a:prstGeom prst="rect">
+            <a:avLst/>
+          </a:prstGeom>
+        </p:spPr>
+      </p:pic>
+      <p:sp>
+        <p:nvSpPr>
+          <p:cNvPr id="2" name="標題 1">
+            <a:extLst>
+              <a:ext uri="{FF2B5EF4-FFF2-40B4-BE49-F238E27FC236}">
                 <a16:creationId xmlns:a16="http://schemas.microsoft.com/office/drawing/2014/main" id="{2B4F2891-1EAA-D477-08B9-EF3624FD6317}"/>
               </a:ext>
             </a:extLst>
@@ -12888,8 +14179,8 @@
         </p:nvSpPr>
         <p:spPr>
           <a:xfrm>
-            <a:off x="764771" y="2172314"/>
-            <a:ext cx="3241786" cy="1256686"/>
+            <a:off x="2273060" y="2294863"/>
+            <a:ext cx="2063270" cy="1256686"/>
           </a:xfrm>
         </p:spPr>
         <p:txBody>
@@ -12963,14 +14254,14 @@
               <a:buNone/>
             </a:pPr>
             <a:r>
-              <a:rPr lang="zh-TW" altLang="en-US" sz="2200" b="1" dirty="0">
+              <a:rPr lang="zh-TW" altLang="en-US" sz="2200" dirty="0">
                 <a:latin typeface="標楷體" panose="03000509000000000000" pitchFamily="65" charset="-120"/>
                 <a:ea typeface="標楷體" panose="03000509000000000000" pitchFamily="65" charset="-120"/>
                 <a:cs typeface="Times New Roman" panose="02020603050405020304" pitchFamily="18" charset="0"/>
               </a:rPr>
               <a:t>分析流量趨勢以識別潛在威脅</a:t>
             </a:r>
-            <a:endParaRPr lang="en-US" altLang="zh-TW" sz="2200" b="1" dirty="0">
+            <a:endParaRPr lang="en-US" altLang="zh-TW" sz="2200" dirty="0">
               <a:latin typeface="標楷體" panose="03000509000000000000" pitchFamily="65" charset="-120"/>
               <a:ea typeface="標楷體" panose="03000509000000000000" pitchFamily="65" charset="-120"/>
               <a:cs typeface="Times New Roman" panose="02020603050405020304" pitchFamily="18" charset="0"/>
@@ -13007,14 +14298,14 @@
               <a:buNone/>
             </a:pPr>
             <a:r>
-              <a:rPr lang="zh-TW" altLang="en-US" sz="2200" b="1" dirty="0">
+              <a:rPr lang="zh-TW" altLang="en-US" sz="2200" dirty="0">
                 <a:latin typeface="標楷體" panose="03000509000000000000" pitchFamily="65" charset="-120"/>
                 <a:ea typeface="標楷體" panose="03000509000000000000" pitchFamily="65" charset="-120"/>
                 <a:cs typeface="Times New Roman" panose="02020603050405020304" pitchFamily="18" charset="0"/>
               </a:rPr>
               <a:t>關注潛在的攻擊者，並確定威脅回應工作的優先順序。</a:t>
             </a:r>
-            <a:endParaRPr lang="en-US" altLang="zh-TW" sz="2200" b="1" dirty="0">
+            <a:endParaRPr lang="en-US" altLang="zh-TW" sz="2200" dirty="0">
               <a:latin typeface="標楷體" panose="03000509000000000000" pitchFamily="65" charset="-120"/>
               <a:ea typeface="標楷體" panose="03000509000000000000" pitchFamily="65" charset="-120"/>
               <a:cs typeface="Times New Roman" panose="02020603050405020304" pitchFamily="18" charset="0"/>
@@ -13051,7 +14342,7 @@
               <a:buNone/>
             </a:pPr>
             <a:r>
-              <a:rPr lang="zh-TW" altLang="en-US" sz="2200" b="1" dirty="0">
+              <a:rPr lang="zh-TW" altLang="en-US" sz="2200" dirty="0">
                 <a:latin typeface="標楷體" panose="03000509000000000000" pitchFamily="65" charset="-120"/>
                 <a:ea typeface="標楷體" panose="03000509000000000000" pitchFamily="65" charset="-120"/>
                 <a:cs typeface="Times New Roman" panose="02020603050405020304" pitchFamily="18" charset="0"/>
@@ -13074,7 +14365,7 @@
 </p:sld>
 </file>
 
-<file path=ppt/slides/slide7.xml><?xml version="1.0" encoding="utf-8"?>
+<file path=ppt/slides/slide9.xml><?xml version="1.0" encoding="utf-8"?>
 <p:sld xmlns:a="http://schemas.openxmlformats.org/drawingml/2006/main" xmlns:r="http://schemas.openxmlformats.org/officeDocument/2006/relationships" xmlns:p="http://schemas.openxmlformats.org/presentationml/2006/main">
   <p:cSld>
     <p:spTree>
@@ -13146,240 +14437,6 @@
     <p:extLst>
       <p:ext uri="{BB962C8B-B14F-4D97-AF65-F5344CB8AC3E}">
         <p14:creationId xmlns:p14="http://schemas.microsoft.com/office/powerpoint/2010/main" val="1221269186"/>
-      </p:ext>
-    </p:extLst>
-  </p:cSld>
-  <p:clrMapOvr>
-    <a:masterClrMapping/>
-  </p:clrMapOvr>
-</p:sld>
-</file>
-
-<file path=ppt/slides/slide8.xml><?xml version="1.0" encoding="utf-8"?>
-<p:sld xmlns:a="http://schemas.openxmlformats.org/drawingml/2006/main" xmlns:r="http://schemas.openxmlformats.org/officeDocument/2006/relationships" xmlns:p="http://schemas.openxmlformats.org/presentationml/2006/main">
-  <p:cSld>
-    <p:spTree>
-      <p:nvGrpSpPr>
-        <p:cNvPr id="1" name="">
-          <a:extLst>
-            <a:ext uri="{FF2B5EF4-FFF2-40B4-BE49-F238E27FC236}">
-              <a16:creationId xmlns:a16="http://schemas.microsoft.com/office/drawing/2014/main" id="{B89A3AB8-B1B4-F75C-046F-8D1E1CBA0F16}"/>
-            </a:ext>
-          </a:extLst>
-        </p:cNvPr>
-        <p:cNvGrpSpPr/>
-        <p:nvPr/>
-      </p:nvGrpSpPr>
-      <p:grpSpPr>
-        <a:xfrm>
-          <a:off x="0" y="0"/>
-          <a:ext cx="0" cy="0"/>
-          <a:chOff x="0" y="0"/>
-          <a:chExt cx="0" cy="0"/>
-        </a:xfrm>
-      </p:grpSpPr>
-      <p:pic>
-        <p:nvPicPr>
-          <p:cNvPr id="7" name="圖片 6">
-            <a:extLst>
-              <a:ext uri="{FF2B5EF4-FFF2-40B4-BE49-F238E27FC236}">
-                <a16:creationId xmlns:a16="http://schemas.microsoft.com/office/drawing/2014/main" id="{55BBB01E-1EA1-27F9-E4AC-7F446B3CA5FB}"/>
-              </a:ext>
-            </a:extLst>
-          </p:cNvPr>
-          <p:cNvPicPr>
-            <a:picLocks noChangeAspect="1"/>
-          </p:cNvPicPr>
-          <p:nvPr/>
-        </p:nvPicPr>
-        <p:blipFill>
-          <a:blip r:embed="rId2"/>
-          <a:stretch>
-            <a:fillRect/>
-          </a:stretch>
-        </p:blipFill>
-        <p:spPr>
-          <a:xfrm>
-            <a:off x="-1115" y="0"/>
-            <a:ext cx="12193115" cy="6384758"/>
-          </a:xfrm>
-          <a:prstGeom prst="rect">
-            <a:avLst/>
-          </a:prstGeom>
-        </p:spPr>
-      </p:pic>
-      <p:sp>
-        <p:nvSpPr>
-          <p:cNvPr id="3" name="文字版面配置區 2">
-            <a:extLst>
-              <a:ext uri="{FF2B5EF4-FFF2-40B4-BE49-F238E27FC236}">
-                <a16:creationId xmlns:a16="http://schemas.microsoft.com/office/drawing/2014/main" id="{893995CD-A093-0D82-1DF9-BFA36B7AFF51}"/>
-              </a:ext>
-            </a:extLst>
-          </p:cNvPr>
-          <p:cNvSpPr>
-            <a:spLocks noGrp="1"/>
-          </p:cNvSpPr>
-          <p:nvPr>
-            <p:ph type="body" idx="1"/>
-          </p:nvPr>
-        </p:nvSpPr>
-        <p:spPr>
-          <a:xfrm>
-            <a:off x="9464842" y="2395655"/>
-            <a:ext cx="2727158" cy="3507840"/>
-          </a:xfrm>
-        </p:spPr>
-        <p:txBody>
-          <a:bodyPr vert="horz" lIns="91440" tIns="45720" rIns="91440" bIns="45720" rtlCol="0" anchor="ctr">
-            <a:normAutofit/>
-          </a:bodyPr>
-          <a:lstStyle/>
-          <a:p>
-            <a:r>
-              <a:rPr lang="zh-TW" altLang="en-US" sz="2200" dirty="0">
-                <a:solidFill>
-                  <a:srgbClr val="3C4043"/>
-                </a:solidFill>
-                <a:latin typeface="標楷體" panose="03000509000000000000" pitchFamily="65" charset="-120"/>
-                <a:ea typeface="標楷體" panose="03000509000000000000" pitchFamily="65" charset="-120"/>
-                <a:cs typeface="Times New Roman" panose="02020603050405020304" pitchFamily="18" charset="0"/>
-              </a:rPr>
-              <a:t>評估安全控制的有效性</a:t>
-            </a:r>
-            <a:endParaRPr lang="en-US" altLang="zh-TW" sz="2200" b="0" i="0" dirty="0">
-              <a:solidFill>
-                <a:srgbClr val="3C4043"/>
-              </a:solidFill>
-              <a:effectLst/>
-              <a:latin typeface="標楷體" panose="03000509000000000000" pitchFamily="65" charset="-120"/>
-              <a:ea typeface="標楷體" panose="03000509000000000000" pitchFamily="65" charset="-120"/>
-              <a:cs typeface="Times New Roman" panose="02020603050405020304" pitchFamily="18" charset="0"/>
-            </a:endParaRPr>
-          </a:p>
-        </p:txBody>
-      </p:sp>
-    </p:spTree>
-    <p:extLst>
-      <p:ext uri="{BB962C8B-B14F-4D97-AF65-F5344CB8AC3E}">
-        <p14:creationId xmlns:p14="http://schemas.microsoft.com/office/powerpoint/2010/main" val="1088668345"/>
-      </p:ext>
-    </p:extLst>
-  </p:cSld>
-  <p:clrMapOvr>
-    <a:masterClrMapping/>
-  </p:clrMapOvr>
-</p:sld>
-</file>
-
-<file path=ppt/slides/slide9.xml><?xml version="1.0" encoding="utf-8"?>
-<p:sld xmlns:a="http://schemas.openxmlformats.org/drawingml/2006/main" xmlns:r="http://schemas.openxmlformats.org/officeDocument/2006/relationships" xmlns:p="http://schemas.openxmlformats.org/presentationml/2006/main">
-  <p:cSld>
-    <p:spTree>
-      <p:nvGrpSpPr>
-        <p:cNvPr id="1" name="">
-          <a:extLst>
-            <a:ext uri="{FF2B5EF4-FFF2-40B4-BE49-F238E27FC236}">
-              <a16:creationId xmlns:a16="http://schemas.microsoft.com/office/drawing/2014/main" id="{B89A3AB8-B1B4-F75C-046F-8D1E1CBA0F16}"/>
-            </a:ext>
-          </a:extLst>
-        </p:cNvPr>
-        <p:cNvGrpSpPr/>
-        <p:nvPr/>
-      </p:nvGrpSpPr>
-      <p:grpSpPr>
-        <a:xfrm>
-          <a:off x="0" y="0"/>
-          <a:ext cx="0" cy="0"/>
-          <a:chOff x="0" y="0"/>
-          <a:chExt cx="0" cy="0"/>
-        </a:xfrm>
-      </p:grpSpPr>
-      <p:pic>
-        <p:nvPicPr>
-          <p:cNvPr id="4" name="圖片 3">
-            <a:extLst>
-              <a:ext uri="{FF2B5EF4-FFF2-40B4-BE49-F238E27FC236}">
-                <a16:creationId xmlns:a16="http://schemas.microsoft.com/office/drawing/2014/main" id="{CF60302C-8F0F-5082-EED7-EB73FA3F145E}"/>
-              </a:ext>
-            </a:extLst>
-          </p:cNvPr>
-          <p:cNvPicPr>
-            <a:picLocks noChangeAspect="1"/>
-          </p:cNvPicPr>
-          <p:nvPr/>
-        </p:nvPicPr>
-        <p:blipFill>
-          <a:blip r:embed="rId2"/>
-          <a:stretch>
-            <a:fillRect/>
-          </a:stretch>
-        </p:blipFill>
-        <p:spPr>
-          <a:xfrm>
-            <a:off x="92749" y="0"/>
-            <a:ext cx="12099250" cy="6182184"/>
-          </a:xfrm>
-          <a:prstGeom prst="rect">
-            <a:avLst/>
-          </a:prstGeom>
-        </p:spPr>
-      </p:pic>
-      <p:sp>
-        <p:nvSpPr>
-          <p:cNvPr id="3" name="文字版面配置區 2">
-            <a:extLst>
-              <a:ext uri="{FF2B5EF4-FFF2-40B4-BE49-F238E27FC236}">
-                <a16:creationId xmlns:a16="http://schemas.microsoft.com/office/drawing/2014/main" id="{893995CD-A093-0D82-1DF9-BFA36B7AFF51}"/>
-              </a:ext>
-            </a:extLst>
-          </p:cNvPr>
-          <p:cNvSpPr>
-            <a:spLocks noGrp="1"/>
-          </p:cNvSpPr>
-          <p:nvPr>
-            <p:ph type="body" idx="1"/>
-          </p:nvPr>
-        </p:nvSpPr>
-        <p:spPr>
-          <a:xfrm>
-            <a:off x="9343505" y="2145710"/>
-            <a:ext cx="2848494" cy="3989083"/>
-          </a:xfrm>
-        </p:spPr>
-        <p:txBody>
-          <a:bodyPr vert="horz" lIns="91440" tIns="45720" rIns="91440" bIns="45720" rtlCol="0" anchor="ctr">
-            <a:normAutofit/>
-          </a:bodyPr>
-          <a:lstStyle/>
-          <a:p>
-            <a:r>
-              <a:rPr lang="zh-TW" altLang="en-US" dirty="0">
-                <a:solidFill>
-                  <a:srgbClr val="3C4043"/>
-                </a:solidFill>
-                <a:latin typeface="標楷體" panose="03000509000000000000" pitchFamily="65" charset="-120"/>
-                <a:ea typeface="標楷體" panose="03000509000000000000" pitchFamily="65" charset="-120"/>
-                <a:cs typeface="Times New Roman" panose="02020603050405020304" pitchFamily="18" charset="0"/>
-              </a:rPr>
-              <a:t>為監控未來變化和異常提供基線</a:t>
-            </a:r>
-            <a:endParaRPr lang="en-US" altLang="zh-TW" sz="2800" b="0" i="0" dirty="0">
-              <a:solidFill>
-                <a:srgbClr val="3C4043"/>
-              </a:solidFill>
-              <a:effectLst/>
-              <a:latin typeface="標楷體" panose="03000509000000000000" pitchFamily="65" charset="-120"/>
-              <a:ea typeface="標楷體" panose="03000509000000000000" pitchFamily="65" charset="-120"/>
-              <a:cs typeface="Times New Roman" panose="02020603050405020304" pitchFamily="18" charset="0"/>
-            </a:endParaRPr>
-          </a:p>
-        </p:txBody>
-      </p:sp>
-    </p:spTree>
-    <p:extLst>
-      <p:ext uri="{BB962C8B-B14F-4D97-AF65-F5344CB8AC3E}">
-        <p14:creationId xmlns:p14="http://schemas.microsoft.com/office/powerpoint/2010/main" val="640028506"/>
       </p:ext>
     </p:extLst>
   </p:cSld>
